--- a/docs/HAM.EP.pptx
+++ b/docs/HAM.EP.pptx
@@ -5,28 +5,16 @@
     <p:sldMasterId id="2147483659" r:id="rId1"/>
   </p:sldMasterIdLst>
   <p:notesMasterIdLst>
-    <p:notesMasterId r:id="rId21"/>
+    <p:notesMasterId r:id="rId9"/>
   </p:notesMasterIdLst>
   <p:sldIdLst>
     <p:sldId id="272" r:id="rId2"/>
     <p:sldId id="256" r:id="rId3"/>
     <p:sldId id="273" r:id="rId4"/>
     <p:sldId id="274" r:id="rId5"/>
-    <p:sldId id="275" r:id="rId6"/>
-    <p:sldId id="276" r:id="rId7"/>
-    <p:sldId id="277" r:id="rId8"/>
-    <p:sldId id="278" r:id="rId9"/>
-    <p:sldId id="289" r:id="rId10"/>
-    <p:sldId id="279" r:id="rId11"/>
-    <p:sldId id="281" r:id="rId12"/>
-    <p:sldId id="284" r:id="rId13"/>
-    <p:sldId id="282" r:id="rId14"/>
-    <p:sldId id="283" r:id="rId15"/>
-    <p:sldId id="285" r:id="rId16"/>
-    <p:sldId id="286" r:id="rId17"/>
-    <p:sldId id="287" r:id="rId18"/>
-    <p:sldId id="288" r:id="rId19"/>
-    <p:sldId id="271" r:id="rId20"/>
+    <p:sldId id="276" r:id="rId6"/>
+    <p:sldId id="290" r:id="rId7"/>
+    <p:sldId id="271" r:id="rId8"/>
   </p:sldIdLst>
   <p:sldSz cx="9144000" cy="5143500" type="screen16x9"/>
   <p:notesSz cx="6858000" cy="9144000"/>
@@ -874,25 +862,100 @@
           <a:p>
             <a:r>
               <a:rPr lang="en-US" dirty="0"/>
-              <a:t>Checkout the project</a:t>
+              <a:t>Checkout the project ( git clone https://github.com/kendarorg/HttpAnsweringMachine.git )</a:t>
             </a:r>
           </a:p>
           <a:p>
             <a:r>
               <a:rPr lang="en-US" dirty="0"/>
-              <a:t>Build.bat (build docker images)</a:t>
+              <a:t>Build.sh (docker too)</a:t>
             </a:r>
           </a:p>
           <a:p>
             <a:r>
               <a:rPr lang="en-US" dirty="0"/>
-              <a:t>Run.bat (no </a:t>
+              <a:t>Setup the hosts file</a:t>
+            </a:r>
+          </a:p>
+          <a:p>
+            <a:pPr marL="158750" indent="0">
+              <a:buNone/>
+            </a:pPr>
+            <a:endParaRPr lang="en-US" dirty="0"/>
+          </a:p>
+          <a:p>
+            <a:pPr marL="158750" indent="0">
+              <a:buNone/>
+            </a:pPr>
+            <a:r>
+              <a:rPr lang="en-US" dirty="0"/>
+              <a:t>Notepad as admin on </a:t>
             </a:r>
             <a:r>
-              <a:rPr lang="en-US"/>
-              <a:t>docker version)</a:t>
+              <a:rPr lang="nb-NO" dirty="0"/>
+              <a:t>C:\Windows\System32\drivers\etc\hosts</a:t>
+            </a:r>
+          </a:p>
+          <a:p>
+            <a:pPr marL="158750" indent="0">
+              <a:buNone/>
+            </a:pPr>
+            <a:endParaRPr lang="nb-NO" dirty="0"/>
+          </a:p>
+          <a:p>
+            <a:pPr marL="158750" indent="0">
+              <a:buNone/>
+            </a:pPr>
+            <a:r>
+              <a:rPr lang="en-US" dirty="0"/>
+              <a:t>127.0.0.1  www.local.test</a:t>
+            </a:r>
+          </a:p>
+          <a:p>
+            <a:pPr marL="158750" indent="0">
+              <a:buNone/>
+            </a:pPr>
+            <a:r>
+              <a:rPr lang="en-US" dirty="0"/>
+              <a:t>127.0.0.1  www.sample.test</a:t>
+            </a:r>
+          </a:p>
+          <a:p>
+            <a:pPr marL="158750" indent="0">
+              <a:buNone/>
+            </a:pPr>
+            <a:r>
+              <a:rPr lang="en-US" dirty="0"/>
+              <a:t>127.0.0.1  </a:t>
+            </a:r>
+            <a:r>
+              <a:rPr lang="en-US" dirty="0" err="1"/>
+              <a:t>gateway.sample.test</a:t>
             </a:r>
             <a:endParaRPr lang="en-US" dirty="0"/>
+          </a:p>
+          <a:p>
+            <a:pPr marL="158750" indent="0">
+              <a:buNone/>
+            </a:pPr>
+            <a:r>
+              <a:rPr lang="en-US" dirty="0"/>
+              <a:t>127.0.0.1  </a:t>
+            </a:r>
+            <a:r>
+              <a:rPr lang="en-US" dirty="0" err="1"/>
+              <a:t>be.sample.test</a:t>
+            </a:r>
+            <a:endParaRPr lang="en-US" dirty="0"/>
+          </a:p>
+          <a:p>
+            <a:endParaRPr lang="en-US" dirty="0"/>
+          </a:p>
+          <a:p>
+            <a:r>
+              <a:rPr lang="en-US" dirty="0"/>
+              <a:t>Run.sh</a:t>
+            </a:r>
           </a:p>
         </p:txBody>
       </p:sp>
@@ -910,6 +973,324 @@
 </file>
 
 <file path=ppt/notesSlides/notesSlide3.xml><?xml version="1.0" encoding="utf-8"?>
+<p:notes xmlns:a="http://schemas.openxmlformats.org/drawingml/2006/main" xmlns:r="http://schemas.openxmlformats.org/officeDocument/2006/relationships" xmlns:p="http://schemas.openxmlformats.org/presentationml/2006/main">
+  <p:cSld>
+    <p:spTree>
+      <p:nvGrpSpPr>
+        <p:cNvPr id="1" name=""/>
+        <p:cNvGrpSpPr/>
+        <p:nvPr/>
+      </p:nvGrpSpPr>
+      <p:grpSpPr>
+        <a:xfrm>
+          <a:off x="0" y="0"/>
+          <a:ext cx="0" cy="0"/>
+          <a:chOff x="0" y="0"/>
+          <a:chExt cx="0" cy="0"/>
+        </a:xfrm>
+      </p:grpSpPr>
+      <p:sp>
+        <p:nvSpPr>
+          <p:cNvPr id="2" name="Slide Image Placeholder 1"/>
+          <p:cNvSpPr>
+            <a:spLocks noGrp="1" noRot="1" noChangeAspect="1"/>
+          </p:cNvSpPr>
+          <p:nvPr>
+            <p:ph type="sldImg"/>
+          </p:nvPr>
+        </p:nvSpPr>
+        <p:spPr>
+          <a:xfrm>
+            <a:off x="381000" y="685800"/>
+            <a:ext cx="6096000" cy="3429000"/>
+          </a:xfrm>
+        </p:spPr>
+      </p:sp>
+      <p:sp>
+        <p:nvSpPr>
+          <p:cNvPr id="3" name="Notes Placeholder 2"/>
+          <p:cNvSpPr>
+            <a:spLocks noGrp="1"/>
+          </p:cNvSpPr>
+          <p:nvPr>
+            <p:ph type="body" idx="1"/>
+          </p:nvPr>
+        </p:nvSpPr>
+        <p:spPr/>
+        <p:txBody>
+          <a:bodyPr/>
+          <a:lstStyle/>
+          <a:p>
+            <a:r>
+              <a:rPr lang="en-US" dirty="0"/>
+              <a:t>Little tour on the Sample APP ( http://www.sample.test )</a:t>
+            </a:r>
+          </a:p>
+          <a:p>
+            <a:r>
+              <a:rPr lang="en-US" dirty="0"/>
+              <a:t>Little tour on the HAM app ( http://www.local.test )</a:t>
+            </a:r>
+          </a:p>
+        </p:txBody>
+      </p:sp>
+    </p:spTree>
+    <p:extLst>
+      <p:ext uri="{BB962C8B-B14F-4D97-AF65-F5344CB8AC3E}">
+        <p14:creationId xmlns:p14="http://schemas.microsoft.com/office/powerpoint/2010/main" val="409636961"/>
+      </p:ext>
+    </p:extLst>
+  </p:cSld>
+  <p:clrMapOvr>
+    <a:masterClrMapping/>
+  </p:clrMapOvr>
+</p:notes>
+</file>
+
+<file path=ppt/notesSlides/notesSlide4.xml><?xml version="1.0" encoding="utf-8"?>
+<p:notes xmlns:a="http://schemas.openxmlformats.org/drawingml/2006/main" xmlns:r="http://schemas.openxmlformats.org/officeDocument/2006/relationships" xmlns:p="http://schemas.openxmlformats.org/presentationml/2006/main">
+  <p:cSld>
+    <p:spTree>
+      <p:nvGrpSpPr>
+        <p:cNvPr id="1" name=""/>
+        <p:cNvGrpSpPr/>
+        <p:nvPr/>
+      </p:nvGrpSpPr>
+      <p:grpSpPr>
+        <a:xfrm>
+          <a:off x="0" y="0"/>
+          <a:ext cx="0" cy="0"/>
+          <a:chOff x="0" y="0"/>
+          <a:chExt cx="0" cy="0"/>
+        </a:xfrm>
+      </p:grpSpPr>
+      <p:sp>
+        <p:nvSpPr>
+          <p:cNvPr id="2" name="Slide Image Placeholder 1"/>
+          <p:cNvSpPr>
+            <a:spLocks noGrp="1" noRot="1" noChangeAspect="1"/>
+          </p:cNvSpPr>
+          <p:nvPr>
+            <p:ph type="sldImg"/>
+          </p:nvPr>
+        </p:nvSpPr>
+        <p:spPr>
+          <a:xfrm>
+            <a:off x="381000" y="685800"/>
+            <a:ext cx="6096000" cy="3429000"/>
+          </a:xfrm>
+        </p:spPr>
+      </p:sp>
+      <p:sp>
+        <p:nvSpPr>
+          <p:cNvPr id="3" name="Notes Placeholder 2"/>
+          <p:cNvSpPr>
+            <a:spLocks noGrp="1"/>
+          </p:cNvSpPr>
+          <p:nvPr>
+            <p:ph type="body" idx="1"/>
+          </p:nvPr>
+        </p:nvSpPr>
+        <p:spPr/>
+        <p:txBody>
+          <a:bodyPr/>
+          <a:lstStyle/>
+          <a:p>
+            <a:r>
+              <a:rPr lang="en-US" dirty="0"/>
+              <a:t>We will consider the Backend as a service developed by another team/</a:t>
+            </a:r>
+            <a:r>
+              <a:rPr lang="en-US" dirty="0" err="1"/>
+              <a:t>departement</a:t>
+            </a:r>
+            <a:endParaRPr lang="en-US" dirty="0"/>
+          </a:p>
+        </p:txBody>
+      </p:sp>
+    </p:spTree>
+    <p:extLst>
+      <p:ext uri="{BB962C8B-B14F-4D97-AF65-F5344CB8AC3E}">
+        <p14:creationId xmlns:p14="http://schemas.microsoft.com/office/powerpoint/2010/main" val="867307780"/>
+      </p:ext>
+    </p:extLst>
+  </p:cSld>
+  <p:clrMapOvr>
+    <a:masterClrMapping/>
+  </p:clrMapOvr>
+</p:notes>
+</file>
+
+<file path=ppt/notesSlides/notesSlide5.xml><?xml version="1.0" encoding="utf-8"?>
+<p:notes xmlns:a="http://schemas.openxmlformats.org/drawingml/2006/main" xmlns:r="http://schemas.openxmlformats.org/officeDocument/2006/relationships" xmlns:p="http://schemas.openxmlformats.org/presentationml/2006/main">
+  <p:cSld>
+    <p:spTree>
+      <p:nvGrpSpPr>
+        <p:cNvPr id="1" name=""/>
+        <p:cNvGrpSpPr/>
+        <p:nvPr/>
+      </p:nvGrpSpPr>
+      <p:grpSpPr>
+        <a:xfrm>
+          <a:off x="0" y="0"/>
+          <a:ext cx="0" cy="0"/>
+          <a:chOff x="0" y="0"/>
+          <a:chExt cx="0" cy="0"/>
+        </a:xfrm>
+      </p:grpSpPr>
+      <p:sp>
+        <p:nvSpPr>
+          <p:cNvPr id="2" name="Slide Image Placeholder 1"/>
+          <p:cNvSpPr>
+            <a:spLocks noGrp="1" noRot="1" noChangeAspect="1"/>
+          </p:cNvSpPr>
+          <p:nvPr>
+            <p:ph type="sldImg"/>
+          </p:nvPr>
+        </p:nvSpPr>
+        <p:spPr>
+          <a:xfrm>
+            <a:off x="381000" y="685800"/>
+            <a:ext cx="6096000" cy="3429000"/>
+          </a:xfrm>
+        </p:spPr>
+      </p:sp>
+      <p:sp>
+        <p:nvSpPr>
+          <p:cNvPr id="3" name="Notes Placeholder 2"/>
+          <p:cNvSpPr>
+            <a:spLocks noGrp="1"/>
+          </p:cNvSpPr>
+          <p:nvPr>
+            <p:ph type="body" idx="1"/>
+          </p:nvPr>
+        </p:nvSpPr>
+        <p:spPr/>
+        <p:txBody>
+          <a:bodyPr/>
+          <a:lstStyle/>
+          <a:p>
+            <a:pPr lvl="0"/>
+            <a:r>
+              <a:rPr lang="en-US" dirty="0"/>
+              <a:t>Recording Insert Mario Rossi and an appointment, with text Meeting, and move it to the final state then delete appointment and the user</a:t>
+            </a:r>
+          </a:p>
+          <a:p>
+            <a:pPr lvl="0"/>
+            <a:r>
+              <a:rPr lang="en-US" dirty="0"/>
+              <a:t>Simulate the UI too stopping all backends</a:t>
+            </a:r>
+          </a:p>
+          <a:p>
+            <a:pPr lvl="0"/>
+            <a:r>
+              <a:rPr lang="en-US" dirty="0"/>
+              <a:t>Save the result and prepare the UI test (</a:t>
+            </a:r>
+            <a:r>
+              <a:rPr lang="en-US" dirty="0" err="1"/>
+              <a:t>UI.json</a:t>
+            </a:r>
+            <a:r>
+              <a:rPr lang="en-US" dirty="0"/>
+              <a:t>), removing all but gateway calls, then run the UI only without BE</a:t>
+            </a:r>
+          </a:p>
+          <a:p>
+            <a:pPr lvl="0"/>
+            <a:r>
+              <a:rPr lang="en-US" dirty="0"/>
+              <a:t>Reload the original and setup the test with gateway (stimulator) and be (stimulated) and run it on the </a:t>
+            </a:r>
+            <a:r>
+              <a:rPr lang="en-US" dirty="0" err="1"/>
+              <a:t>ui</a:t>
+            </a:r>
+            <a:r>
+              <a:rPr lang="en-US" dirty="0"/>
+              <a:t>. Create by hand a user showing the NOT increased id</a:t>
+            </a:r>
+          </a:p>
+          <a:p>
+            <a:pPr marL="457200" marR="0" lvl="0" indent="-298450" algn="l" defTabSz="914400" rtl="0" eaLnBrk="1" fontAlgn="auto" latinLnBrk="0" hangingPunct="1">
+              <a:lnSpc>
+                <a:spcPct val="100000"/>
+              </a:lnSpc>
+              <a:spcBef>
+                <a:spcPts val="0"/>
+              </a:spcBef>
+              <a:spcAft>
+                <a:spcPts val="0"/>
+              </a:spcAft>
+              <a:buClr>
+                <a:srgbClr val="000000"/>
+              </a:buClr>
+              <a:buSzPts val="1100"/>
+              <a:buFont typeface="Arial"/>
+              <a:buChar char="●"/>
+              <a:tabLst/>
+              <a:defRPr/>
+            </a:pPr>
+            <a:r>
+              <a:rPr lang="en-US" dirty="0"/>
+              <a:t>Reload the original and setup the test with pacts be, change the script with the step by step UI and run it.  Create by hand a user showing the INCREASED id</a:t>
+            </a:r>
+          </a:p>
+          <a:p>
+            <a:pPr marL="457200" marR="0" lvl="0" indent="-298450" algn="l" defTabSz="914400" rtl="0" eaLnBrk="1" fontAlgn="auto" latinLnBrk="0" hangingPunct="1">
+              <a:lnSpc>
+                <a:spcPct val="100000"/>
+              </a:lnSpc>
+              <a:spcBef>
+                <a:spcPts val="0"/>
+              </a:spcBef>
+              <a:spcAft>
+                <a:spcPts val="0"/>
+              </a:spcAft>
+              <a:buClr>
+                <a:srgbClr val="000000"/>
+              </a:buClr>
+              <a:buSzPts val="1100"/>
+              <a:buFont typeface="Arial"/>
+              <a:buChar char="●"/>
+              <a:tabLst/>
+              <a:defRPr/>
+            </a:pPr>
+            <a:r>
+              <a:rPr lang="en-US" dirty="0"/>
+              <a:t>Modify the template on one of the pacts returned data to show the errors</a:t>
+            </a:r>
+          </a:p>
+          <a:p>
+            <a:pPr lvl="0"/>
+            <a:endParaRPr lang="en-US" dirty="0"/>
+          </a:p>
+          <a:p>
+            <a:pPr lvl="0"/>
+            <a:endParaRPr lang="en-US" dirty="0"/>
+          </a:p>
+          <a:p>
+            <a:pPr lvl="0"/>
+            <a:endParaRPr lang="en-US" dirty="0"/>
+          </a:p>
+        </p:txBody>
+      </p:sp>
+    </p:spTree>
+    <p:extLst>
+      <p:ext uri="{BB962C8B-B14F-4D97-AF65-F5344CB8AC3E}">
+        <p14:creationId xmlns:p14="http://schemas.microsoft.com/office/powerpoint/2010/main" val="3258463643"/>
+      </p:ext>
+    </p:extLst>
+  </p:cSld>
+  <p:clrMapOvr>
+    <a:masterClrMapping/>
+  </p:clrMapOvr>
+</p:notes>
+</file>
+
+<file path=ppt/notesSlides/notesSlide6.xml><?xml version="1.0" encoding="utf-8"?>
 <p:notes xmlns:a="http://schemas.openxmlformats.org/drawingml/2006/main" xmlns:r="http://schemas.openxmlformats.org/officeDocument/2006/relationships" xmlns:p="http://schemas.openxmlformats.org/presentationml/2006/main" showMasterSp="0" showMasterPhAnim="0">
   <p:cSld>
     <p:spTree>
@@ -1001,6 +1382,14 @@
               </a:spcAft>
               <a:buNone/>
             </a:pPr>
+            <a:r>
+              <a:rPr lang="en-US" dirty="0"/>
+              <a:t>And now </a:t>
+            </a:r>
+            <a:r>
+              <a:rPr lang="en-US"/>
+              <a:t>enter the TARDIS with HAM!</a:t>
+            </a:r>
             <a:endParaRPr/>
           </a:p>
         </p:txBody>
@@ -5744,2289 +6133,69 @@
               <a:t>Prepare Integration Tests in CI</a:t>
             </a:r>
           </a:p>
+          <a:p>
+            <a:r>
+              <a:rPr lang="en-US" dirty="0">
+                <a:solidFill>
+                  <a:schemeClr val="bg1"/>
+                </a:solidFill>
+              </a:rPr>
+              <a:t>…need a time machine to solve this?</a:t>
+            </a:r>
+          </a:p>
         </p:txBody>
       </p:sp>
+      <p:pic>
+        <p:nvPicPr>
+          <p:cNvPr id="3074" name="Picture 2" descr="Tardis in the Dark/in black | Doctor who wallpaper, Doctor who, Tardis  wallpaper">
+            <a:extLst>
+              <a:ext uri="{FF2B5EF4-FFF2-40B4-BE49-F238E27FC236}">
+                <a16:creationId xmlns:a16="http://schemas.microsoft.com/office/drawing/2014/main" id="{C2F144E1-2B8F-4713-8FBC-740A60E0FD01}"/>
+              </a:ext>
+            </a:extLst>
+          </p:cNvPr>
+          <p:cNvPicPr>
+            <a:picLocks noChangeAspect="1" noChangeArrowheads="1"/>
+          </p:cNvPicPr>
+          <p:nvPr/>
+        </p:nvPicPr>
+        <p:blipFill rotWithShape="1">
+          <a:blip r:embed="rId3">
+            <a:extLst>
+              <a:ext uri="{28A0092B-C50C-407E-A947-70E740481C1C}">
+                <a14:useLocalDpi xmlns:a14="http://schemas.microsoft.com/office/drawing/2010/main" val="0"/>
+              </a:ext>
+            </a:extLst>
+          </a:blip>
+          <a:srcRect b="29748"/>
+          <a:stretch/>
+        </p:blipFill>
+        <p:spPr bwMode="auto">
+          <a:xfrm>
+            <a:off x="6241987" y="111489"/>
+            <a:ext cx="1297729" cy="1298211"/>
+          </a:xfrm>
+          <a:prstGeom prst="rect">
+            <a:avLst/>
+          </a:prstGeom>
+          <a:noFill/>
+          <a:extLst>
+            <a:ext uri="{909E8E84-426E-40DD-AFC4-6F175D3DCCD1}">
+              <a14:hiddenFill xmlns:a14="http://schemas.microsoft.com/office/drawing/2010/main">
+                <a:solidFill>
+                  <a:srgbClr val="FFFFFF"/>
+                </a:solidFill>
+              </a14:hiddenFill>
+            </a:ext>
+          </a:extLst>
+        </p:spPr>
+      </p:pic>
     </p:spTree>
     <p:extLst>
       <p:ext uri="{BB962C8B-B14F-4D97-AF65-F5344CB8AC3E}">
         <p14:creationId xmlns:p14="http://schemas.microsoft.com/office/powerpoint/2010/main" val="279498352"/>
       </p:ext>
     </p:extLst>
-  </p:cSld>
-  <p:clrMapOvr>
-    <a:masterClrMapping/>
-  </p:clrMapOvr>
-</p:sld>
-</file>
-
-<file path=ppt/slides/slide10.xml><?xml version="1.0" encoding="utf-8"?>
-<p:sld xmlns:a="http://schemas.openxmlformats.org/drawingml/2006/main" xmlns:r="http://schemas.openxmlformats.org/officeDocument/2006/relationships" xmlns:p="http://schemas.openxmlformats.org/presentationml/2006/main">
-  <p:cSld>
-    <p:spTree>
-      <p:nvGrpSpPr>
-        <p:cNvPr id="1" name=""/>
-        <p:cNvGrpSpPr/>
-        <p:nvPr/>
-      </p:nvGrpSpPr>
-      <p:grpSpPr>
-        <a:xfrm>
-          <a:off x="0" y="0"/>
-          <a:ext cx="0" cy="0"/>
-          <a:chOff x="0" y="0"/>
-          <a:chExt cx="0" cy="0"/>
-        </a:xfrm>
-      </p:grpSpPr>
-      <p:sp>
-        <p:nvSpPr>
-          <p:cNvPr id="2" name="Title 1">
-            <a:extLst>
-              <a:ext uri="{FF2B5EF4-FFF2-40B4-BE49-F238E27FC236}">
-                <a16:creationId xmlns:a16="http://schemas.microsoft.com/office/drawing/2014/main" id="{7635A518-41BB-42F9-B60D-0D54906EA811}"/>
-              </a:ext>
-            </a:extLst>
-          </p:cNvPr>
-          <p:cNvSpPr>
-            <a:spLocks noGrp="1"/>
-          </p:cNvSpPr>
-          <p:nvPr>
-            <p:ph type="title"/>
-          </p:nvPr>
-        </p:nvSpPr>
-        <p:spPr/>
-        <p:txBody>
-          <a:bodyPr>
-            <a:normAutofit fontScale="90000"/>
-          </a:bodyPr>
-          <a:lstStyle/>
-          <a:p>
-            <a:r>
-              <a:rPr lang="en-US" dirty="0"/>
-              <a:t>Prepare</a:t>
-            </a:r>
-          </a:p>
-        </p:txBody>
-      </p:sp>
-      <p:sp>
-        <p:nvSpPr>
-          <p:cNvPr id="3" name="Text Placeholder 2">
-            <a:extLst>
-              <a:ext uri="{FF2B5EF4-FFF2-40B4-BE49-F238E27FC236}">
-                <a16:creationId xmlns:a16="http://schemas.microsoft.com/office/drawing/2014/main" id="{221AD345-C215-485F-80F8-0A21D24E0AE0}"/>
-              </a:ext>
-            </a:extLst>
-          </p:cNvPr>
-          <p:cNvSpPr>
-            <a:spLocks noGrp="1"/>
-          </p:cNvSpPr>
-          <p:nvPr>
-            <p:ph type="body" idx="1"/>
-          </p:nvPr>
-        </p:nvSpPr>
-        <p:spPr/>
-        <p:txBody>
-          <a:bodyPr/>
-          <a:lstStyle/>
-          <a:p>
-            <a:r>
-              <a:rPr lang="en-US" dirty="0"/>
-              <a:t>Create a new script and start recording</a:t>
-            </a:r>
-          </a:p>
-          <a:p>
-            <a:r>
-              <a:rPr lang="en-US" dirty="0"/>
-              <a:t>Insert a user “a/a”</a:t>
-            </a:r>
-          </a:p>
-          <a:p>
-            <a:r>
-              <a:rPr lang="en-US" dirty="0"/>
-              <a:t>Insert an appointment “b”</a:t>
-            </a:r>
-          </a:p>
-          <a:p>
-            <a:r>
-              <a:rPr lang="en-US" dirty="0"/>
-              <a:t>Change the appointment “b” until the final state</a:t>
-            </a:r>
-          </a:p>
-          <a:p>
-            <a:r>
-              <a:rPr lang="en-US" dirty="0"/>
-              <a:t>Delete </a:t>
-            </a:r>
-            <a:r>
-              <a:rPr lang="en-US"/>
-              <a:t>the appointment “b”</a:t>
-            </a:r>
-            <a:endParaRPr lang="en-US" dirty="0"/>
-          </a:p>
-          <a:p>
-            <a:r>
-              <a:rPr lang="en-US" dirty="0"/>
-              <a:t>Go on Employees and delete “a/a”</a:t>
-            </a:r>
-          </a:p>
-          <a:p>
-            <a:r>
-              <a:rPr lang="en-US" dirty="0"/>
-              <a:t>Stop recording</a:t>
-            </a:r>
-          </a:p>
-          <a:p>
-            <a:r>
-              <a:rPr lang="en-US" dirty="0"/>
-              <a:t>Download the script and rename it 00Master.json</a:t>
-            </a:r>
-          </a:p>
-          <a:p>
-            <a:r>
-              <a:rPr lang="en-US" dirty="0"/>
-              <a:t>Have fun looking around and exploring the requests made by the system!</a:t>
-            </a:r>
-          </a:p>
-        </p:txBody>
-      </p:sp>
-    </p:spTree>
-    <p:extLst>
-      <p:ext uri="{BB962C8B-B14F-4D97-AF65-F5344CB8AC3E}">
-        <p14:creationId xmlns:p14="http://schemas.microsoft.com/office/powerpoint/2010/main" val="3198641961"/>
-      </p:ext>
-    </p:extLst>
-  </p:cSld>
-  <p:clrMapOvr>
-    <a:masterClrMapping/>
-  </p:clrMapOvr>
-</p:sld>
-</file>
-
-<file path=ppt/slides/slide11.xml><?xml version="1.0" encoding="utf-8"?>
-<p:sld xmlns:a="http://schemas.openxmlformats.org/drawingml/2006/main" xmlns:r="http://schemas.openxmlformats.org/officeDocument/2006/relationships" xmlns:p="http://schemas.openxmlformats.org/presentationml/2006/main">
-  <p:cSld>
-    <p:spTree>
-      <p:nvGrpSpPr>
-        <p:cNvPr id="1" name=""/>
-        <p:cNvGrpSpPr/>
-        <p:nvPr/>
-      </p:nvGrpSpPr>
-      <p:grpSpPr>
-        <a:xfrm>
-          <a:off x="0" y="0"/>
-          <a:ext cx="0" cy="0"/>
-          <a:chOff x="0" y="0"/>
-          <a:chExt cx="0" cy="0"/>
-        </a:xfrm>
-      </p:grpSpPr>
-      <p:sp>
-        <p:nvSpPr>
-          <p:cNvPr id="2" name="Title 1">
-            <a:extLst>
-              <a:ext uri="{FF2B5EF4-FFF2-40B4-BE49-F238E27FC236}">
-                <a16:creationId xmlns:a16="http://schemas.microsoft.com/office/drawing/2014/main" id="{6506F564-961D-4CA7-B499-CA1FFBF2DBBE}"/>
-              </a:ext>
-            </a:extLst>
-          </p:cNvPr>
-          <p:cNvSpPr>
-            <a:spLocks noGrp="1"/>
-          </p:cNvSpPr>
-          <p:nvPr>
-            <p:ph type="title"/>
-          </p:nvPr>
-        </p:nvSpPr>
-        <p:spPr/>
-        <p:txBody>
-          <a:bodyPr>
-            <a:normAutofit fontScale="90000"/>
-          </a:bodyPr>
-          <a:lstStyle/>
-          <a:p>
-            <a:r>
-              <a:rPr lang="en-US" dirty="0"/>
-              <a:t>UI Test - Success</a:t>
-            </a:r>
-          </a:p>
-        </p:txBody>
-      </p:sp>
-      <p:sp>
-        <p:nvSpPr>
-          <p:cNvPr id="3" name="Text Placeholder 2">
-            <a:extLst>
-              <a:ext uri="{FF2B5EF4-FFF2-40B4-BE49-F238E27FC236}">
-                <a16:creationId xmlns:a16="http://schemas.microsoft.com/office/drawing/2014/main" id="{9B748956-EBFB-4CC8-97DD-8432797D0586}"/>
-              </a:ext>
-            </a:extLst>
-          </p:cNvPr>
-          <p:cNvSpPr>
-            <a:spLocks noGrp="1"/>
-          </p:cNvSpPr>
-          <p:nvPr>
-            <p:ph type="body" idx="1"/>
-          </p:nvPr>
-        </p:nvSpPr>
-        <p:spPr/>
-        <p:txBody>
-          <a:bodyPr/>
-          <a:lstStyle/>
-          <a:p>
-            <a:r>
-              <a:rPr lang="en-US" dirty="0"/>
-              <a:t>Delete any previous script, restart, and upload the 00Master.json</a:t>
-            </a:r>
-          </a:p>
-          <a:p>
-            <a:r>
-              <a:rPr lang="en-US" dirty="0"/>
-              <a:t>Search for all the “www” and “be” host calls, remove them</a:t>
-            </a:r>
-          </a:p>
-          <a:p>
-            <a:r>
-              <a:rPr lang="en-US" dirty="0"/>
-              <a:t>Save as 01Web.json</a:t>
-            </a:r>
-          </a:p>
-          <a:p>
-            <a:r>
-              <a:rPr lang="en-US" dirty="0"/>
-              <a:t>Stop the be and the gateway</a:t>
-            </a:r>
-          </a:p>
-          <a:p>
-            <a:r>
-              <a:rPr lang="en-US" dirty="0"/>
-              <a:t>Wait 60 seconds to update the proxy status</a:t>
-            </a:r>
-          </a:p>
-          <a:p>
-            <a:r>
-              <a:rPr lang="en-US" dirty="0"/>
-              <a:t>Start replaying</a:t>
-            </a:r>
-          </a:p>
-          <a:p>
-            <a:r>
-              <a:rPr lang="en-US" dirty="0"/>
-              <a:t>Follow the operations you did while recording</a:t>
-            </a:r>
-          </a:p>
-        </p:txBody>
-      </p:sp>
-    </p:spTree>
-    <p:extLst>
-      <p:ext uri="{BB962C8B-B14F-4D97-AF65-F5344CB8AC3E}">
-        <p14:creationId xmlns:p14="http://schemas.microsoft.com/office/powerpoint/2010/main" val="442220598"/>
-      </p:ext>
-    </p:extLst>
-  </p:cSld>
-  <p:clrMapOvr>
-    <a:masterClrMapping/>
-  </p:clrMapOvr>
-</p:sld>
-</file>
-
-<file path=ppt/slides/slide12.xml><?xml version="1.0" encoding="utf-8"?>
-<p:sld xmlns:a="http://schemas.openxmlformats.org/drawingml/2006/main" xmlns:r="http://schemas.openxmlformats.org/officeDocument/2006/relationships" xmlns:p="http://schemas.openxmlformats.org/presentationml/2006/main">
-  <p:cSld>
-    <p:spTree>
-      <p:nvGrpSpPr>
-        <p:cNvPr id="1" name=""/>
-        <p:cNvGrpSpPr/>
-        <p:nvPr/>
-      </p:nvGrpSpPr>
-      <p:grpSpPr>
-        <a:xfrm>
-          <a:off x="0" y="0"/>
-          <a:ext cx="0" cy="0"/>
-          <a:chOff x="0" y="0"/>
-          <a:chExt cx="0" cy="0"/>
-        </a:xfrm>
-      </p:grpSpPr>
-      <p:sp>
-        <p:nvSpPr>
-          <p:cNvPr id="2" name="Title 1">
-            <a:extLst>
-              <a:ext uri="{FF2B5EF4-FFF2-40B4-BE49-F238E27FC236}">
-                <a16:creationId xmlns:a16="http://schemas.microsoft.com/office/drawing/2014/main" id="{6506F564-961D-4CA7-B499-CA1FFBF2DBBE}"/>
-              </a:ext>
-            </a:extLst>
-          </p:cNvPr>
-          <p:cNvSpPr>
-            <a:spLocks noGrp="1"/>
-          </p:cNvSpPr>
-          <p:nvPr>
-            <p:ph type="title"/>
-          </p:nvPr>
-        </p:nvSpPr>
-        <p:spPr/>
-        <p:txBody>
-          <a:bodyPr>
-            <a:normAutofit fontScale="90000"/>
-          </a:bodyPr>
-          <a:lstStyle/>
-          <a:p>
-            <a:r>
-              <a:rPr lang="en-US" dirty="0"/>
-              <a:t>UI Test - Fail</a:t>
-            </a:r>
-          </a:p>
-        </p:txBody>
-      </p:sp>
-      <p:sp>
-        <p:nvSpPr>
-          <p:cNvPr id="3" name="Text Placeholder 2">
-            <a:extLst>
-              <a:ext uri="{FF2B5EF4-FFF2-40B4-BE49-F238E27FC236}">
-                <a16:creationId xmlns:a16="http://schemas.microsoft.com/office/drawing/2014/main" id="{9B748956-EBFB-4CC8-97DD-8432797D0586}"/>
-              </a:ext>
-            </a:extLst>
-          </p:cNvPr>
-          <p:cNvSpPr>
-            <a:spLocks noGrp="1"/>
-          </p:cNvSpPr>
-          <p:nvPr>
-            <p:ph type="body" idx="1"/>
-          </p:nvPr>
-        </p:nvSpPr>
-        <p:spPr/>
-        <p:txBody>
-          <a:bodyPr/>
-          <a:lstStyle/>
-          <a:p>
-            <a:r>
-              <a:rPr lang="en-US" dirty="0"/>
-              <a:t>Delete any previous script, restart, and upload the 01Web.json</a:t>
-            </a:r>
-          </a:p>
-          <a:p>
-            <a:r>
-              <a:rPr lang="en-US" dirty="0"/>
-              <a:t>Edit the first call to gateway/api/v1/employees and set the response body as “fail” </a:t>
-            </a:r>
-          </a:p>
-          <a:p>
-            <a:r>
-              <a:rPr lang="en-US" dirty="0"/>
-              <a:t>Stop the be and the gateway</a:t>
-            </a:r>
-          </a:p>
-          <a:p>
-            <a:r>
-              <a:rPr lang="en-US" dirty="0"/>
-              <a:t>Wait 60 seconds to update the proxy status</a:t>
-            </a:r>
-          </a:p>
-          <a:p>
-            <a:r>
-              <a:rPr lang="en-US" dirty="0"/>
-              <a:t>Start replaying</a:t>
-            </a:r>
-          </a:p>
-          <a:p>
-            <a:r>
-              <a:rPr lang="en-US" dirty="0"/>
-              <a:t>Follow the operations you did while recording</a:t>
-            </a:r>
-          </a:p>
-          <a:p>
-            <a:r>
-              <a:rPr lang="en-US" dirty="0"/>
-              <a:t>Have fun with the exception!</a:t>
-            </a:r>
-          </a:p>
-        </p:txBody>
-      </p:sp>
-    </p:spTree>
-    <p:extLst>
-      <p:ext uri="{BB962C8B-B14F-4D97-AF65-F5344CB8AC3E}">
-        <p14:creationId xmlns:p14="http://schemas.microsoft.com/office/powerpoint/2010/main" val="2988651207"/>
-      </p:ext>
-    </p:extLst>
-  </p:cSld>
-  <p:clrMapOvr>
-    <a:masterClrMapping/>
-  </p:clrMapOvr>
-</p:sld>
-</file>
-
-<file path=ppt/slides/slide13.xml><?xml version="1.0" encoding="utf-8"?>
-<p:sld xmlns:a="http://schemas.openxmlformats.org/drawingml/2006/main" xmlns:r="http://schemas.openxmlformats.org/officeDocument/2006/relationships" xmlns:p="http://schemas.openxmlformats.org/presentationml/2006/main">
-  <p:cSld>
-    <p:spTree>
-      <p:nvGrpSpPr>
-        <p:cNvPr id="1" name=""/>
-        <p:cNvGrpSpPr/>
-        <p:nvPr/>
-      </p:nvGrpSpPr>
-      <p:grpSpPr>
-        <a:xfrm>
-          <a:off x="0" y="0"/>
-          <a:ext cx="0" cy="0"/>
-          <a:chOff x="0" y="0"/>
-          <a:chExt cx="0" cy="0"/>
-        </a:xfrm>
-      </p:grpSpPr>
-      <p:sp>
-        <p:nvSpPr>
-          <p:cNvPr id="2" name="Title 1">
-            <a:extLst>
-              <a:ext uri="{FF2B5EF4-FFF2-40B4-BE49-F238E27FC236}">
-                <a16:creationId xmlns:a16="http://schemas.microsoft.com/office/drawing/2014/main" id="{FF144CF6-BFA0-4F89-9E0D-4CE9A82FE075}"/>
-              </a:ext>
-            </a:extLst>
-          </p:cNvPr>
-          <p:cNvSpPr>
-            <a:spLocks noGrp="1"/>
-          </p:cNvSpPr>
-          <p:nvPr>
-            <p:ph type="title"/>
-          </p:nvPr>
-        </p:nvSpPr>
-        <p:spPr/>
-        <p:txBody>
-          <a:bodyPr>
-            <a:normAutofit fontScale="90000"/>
-          </a:bodyPr>
-          <a:lstStyle/>
-          <a:p>
-            <a:r>
-              <a:rPr lang="en-US" dirty="0"/>
-              <a:t>Null Infrastructure test - Success</a:t>
-            </a:r>
-          </a:p>
-        </p:txBody>
-      </p:sp>
-      <p:sp>
-        <p:nvSpPr>
-          <p:cNvPr id="3" name="Text Placeholder 2">
-            <a:extLst>
-              <a:ext uri="{FF2B5EF4-FFF2-40B4-BE49-F238E27FC236}">
-                <a16:creationId xmlns:a16="http://schemas.microsoft.com/office/drawing/2014/main" id="{4B45FBFF-45D8-4BF8-95EB-2F36D3F69DF4}"/>
-              </a:ext>
-            </a:extLst>
-          </p:cNvPr>
-          <p:cNvSpPr>
-            <a:spLocks noGrp="1"/>
-          </p:cNvSpPr>
-          <p:nvPr>
-            <p:ph type="body" idx="1"/>
-          </p:nvPr>
-        </p:nvSpPr>
-        <p:spPr/>
-        <p:txBody>
-          <a:bodyPr>
-            <a:normAutofit lnSpcReduction="10000"/>
-          </a:bodyPr>
-          <a:lstStyle/>
-          <a:p>
-            <a:r>
-              <a:rPr lang="en-US" dirty="0"/>
-              <a:t>Delete any previous script, restart, and upload the 00Master.json</a:t>
-            </a:r>
-          </a:p>
-          <a:p>
-            <a:r>
-              <a:rPr lang="en-US" dirty="0"/>
-              <a:t>Search for all the “www” calls, remove them</a:t>
-            </a:r>
-          </a:p>
-          <a:p>
-            <a:r>
-              <a:rPr lang="en-US" dirty="0"/>
-              <a:t>On the Script tab select all the “gateway” calls and set them as Stimulat</a:t>
-            </a:r>
-            <a:r>
-              <a:rPr lang="en-US" u="sng" dirty="0"/>
-              <a:t>or</a:t>
-            </a:r>
-          </a:p>
-          <a:p>
-            <a:r>
-              <a:rPr lang="en-US" dirty="0"/>
-              <a:t>On the Full tab select all the “be” calls and set them as Stimulat</a:t>
-            </a:r>
-            <a:r>
-              <a:rPr lang="en-US" u="sng" dirty="0"/>
-              <a:t>ed</a:t>
-            </a:r>
-          </a:p>
-          <a:p>
-            <a:pPr lvl="1"/>
-            <a:r>
-              <a:rPr lang="en-US" dirty="0"/>
-              <a:t>Stimulators will be called</a:t>
-            </a:r>
-          </a:p>
-          <a:p>
-            <a:pPr lvl="1"/>
-            <a:r>
-              <a:rPr lang="en-US" dirty="0"/>
-              <a:t>Stimulated will be replayed mimicking the real be</a:t>
-            </a:r>
-          </a:p>
-          <a:p>
-            <a:r>
-              <a:rPr lang="en-US" dirty="0"/>
-              <a:t>Save as 02Null.json</a:t>
-            </a:r>
-          </a:p>
-          <a:p>
-            <a:r>
-              <a:rPr lang="en-US" dirty="0"/>
-              <a:t>Stop the fe and the be</a:t>
-            </a:r>
-          </a:p>
-          <a:p>
-            <a:r>
-              <a:rPr lang="en-US" dirty="0"/>
-              <a:t>Wait 60 seconds to update the proxy status</a:t>
-            </a:r>
-          </a:p>
-          <a:p>
-            <a:r>
-              <a:rPr lang="en-US" dirty="0"/>
-              <a:t>Play the Null infrastructure</a:t>
-            </a:r>
-          </a:p>
-          <a:p>
-            <a:r>
-              <a:rPr lang="en-US" dirty="0"/>
-              <a:t>Check the results</a:t>
-            </a:r>
-          </a:p>
-          <a:p>
-            <a:endParaRPr lang="en-US" dirty="0"/>
-          </a:p>
-        </p:txBody>
-      </p:sp>
-    </p:spTree>
-    <p:extLst>
-      <p:ext uri="{BB962C8B-B14F-4D97-AF65-F5344CB8AC3E}">
-        <p14:creationId xmlns:p14="http://schemas.microsoft.com/office/powerpoint/2010/main" val="84845685"/>
-      </p:ext>
-    </p:extLst>
-  </p:cSld>
-  <p:clrMapOvr>
-    <a:masterClrMapping/>
-  </p:clrMapOvr>
-</p:sld>
-</file>
-
-<file path=ppt/slides/slide14.xml><?xml version="1.0" encoding="utf-8"?>
-<p:sld xmlns:a="http://schemas.openxmlformats.org/drawingml/2006/main" xmlns:r="http://schemas.openxmlformats.org/officeDocument/2006/relationships" xmlns:p="http://schemas.openxmlformats.org/presentationml/2006/main">
-  <p:cSld>
-    <p:spTree>
-      <p:nvGrpSpPr>
-        <p:cNvPr id="1" name=""/>
-        <p:cNvGrpSpPr/>
-        <p:nvPr/>
-      </p:nvGrpSpPr>
-      <p:grpSpPr>
-        <a:xfrm>
-          <a:off x="0" y="0"/>
-          <a:ext cx="0" cy="0"/>
-          <a:chOff x="0" y="0"/>
-          <a:chExt cx="0" cy="0"/>
-        </a:xfrm>
-      </p:grpSpPr>
-      <p:sp>
-        <p:nvSpPr>
-          <p:cNvPr id="2" name="Title 1">
-            <a:extLst>
-              <a:ext uri="{FF2B5EF4-FFF2-40B4-BE49-F238E27FC236}">
-                <a16:creationId xmlns:a16="http://schemas.microsoft.com/office/drawing/2014/main" id="{FF144CF6-BFA0-4F89-9E0D-4CE9A82FE075}"/>
-              </a:ext>
-            </a:extLst>
-          </p:cNvPr>
-          <p:cNvSpPr>
-            <a:spLocks noGrp="1"/>
-          </p:cNvSpPr>
-          <p:nvPr>
-            <p:ph type="title"/>
-          </p:nvPr>
-        </p:nvSpPr>
-        <p:spPr/>
-        <p:txBody>
-          <a:bodyPr>
-            <a:normAutofit fontScale="90000"/>
-          </a:bodyPr>
-          <a:lstStyle/>
-          <a:p>
-            <a:r>
-              <a:rPr lang="en-US" dirty="0"/>
-              <a:t>Null Infrastructure test - Fail</a:t>
-            </a:r>
-          </a:p>
-        </p:txBody>
-      </p:sp>
-      <p:sp>
-        <p:nvSpPr>
-          <p:cNvPr id="3" name="Text Placeholder 2">
-            <a:extLst>
-              <a:ext uri="{FF2B5EF4-FFF2-40B4-BE49-F238E27FC236}">
-                <a16:creationId xmlns:a16="http://schemas.microsoft.com/office/drawing/2014/main" id="{4B45FBFF-45D8-4BF8-95EB-2F36D3F69DF4}"/>
-              </a:ext>
-            </a:extLst>
-          </p:cNvPr>
-          <p:cNvSpPr>
-            <a:spLocks noGrp="1"/>
-          </p:cNvSpPr>
-          <p:nvPr>
-            <p:ph type="body" idx="1"/>
-          </p:nvPr>
-        </p:nvSpPr>
-        <p:spPr/>
-        <p:txBody>
-          <a:bodyPr>
-            <a:normAutofit/>
-          </a:bodyPr>
-          <a:lstStyle/>
-          <a:p>
-            <a:r>
-              <a:rPr lang="en-US" dirty="0"/>
-              <a:t>Delete any previous script, restart, and upload the 02Null.json</a:t>
-            </a:r>
-          </a:p>
-          <a:p>
-            <a:r>
-              <a:rPr lang="en-US" dirty="0"/>
-              <a:t>Edit the first call to be/api/v1/employees and set the response body as “fail” </a:t>
-            </a:r>
-          </a:p>
-          <a:p>
-            <a:r>
-              <a:rPr lang="en-US" dirty="0"/>
-              <a:t>Save as 02Null.json</a:t>
-            </a:r>
-          </a:p>
-          <a:p>
-            <a:r>
-              <a:rPr lang="en-US" dirty="0"/>
-              <a:t>Stop the fe and the be</a:t>
-            </a:r>
-          </a:p>
-          <a:p>
-            <a:r>
-              <a:rPr lang="en-US" dirty="0"/>
-              <a:t>Wait 60 seconds to update the proxy status</a:t>
-            </a:r>
-          </a:p>
-          <a:p>
-            <a:r>
-              <a:rPr lang="en-US" dirty="0"/>
-              <a:t>Play the Null infrastructure</a:t>
-            </a:r>
-          </a:p>
-          <a:p>
-            <a:r>
-              <a:rPr lang="en-US" dirty="0"/>
-              <a:t>Enjoy the errors!</a:t>
-            </a:r>
-          </a:p>
-          <a:p>
-            <a:endParaRPr lang="en-US" dirty="0"/>
-          </a:p>
-        </p:txBody>
-      </p:sp>
-    </p:spTree>
-    <p:extLst>
-      <p:ext uri="{BB962C8B-B14F-4D97-AF65-F5344CB8AC3E}">
-        <p14:creationId xmlns:p14="http://schemas.microsoft.com/office/powerpoint/2010/main" val="1320574935"/>
-      </p:ext>
-    </p:extLst>
-  </p:cSld>
-  <p:clrMapOvr>
-    <a:masterClrMapping/>
-  </p:clrMapOvr>
-</p:sld>
-</file>
-
-<file path=ppt/slides/slide15.xml><?xml version="1.0" encoding="utf-8"?>
-<p:sld xmlns:a="http://schemas.openxmlformats.org/drawingml/2006/main" xmlns:r="http://schemas.openxmlformats.org/officeDocument/2006/relationships" xmlns:p="http://schemas.openxmlformats.org/presentationml/2006/main">
-  <p:cSld>
-    <p:spTree>
-      <p:nvGrpSpPr>
-        <p:cNvPr id="1" name=""/>
-        <p:cNvGrpSpPr/>
-        <p:nvPr/>
-      </p:nvGrpSpPr>
-      <p:grpSpPr>
-        <a:xfrm>
-          <a:off x="0" y="0"/>
-          <a:ext cx="0" cy="0"/>
-          <a:chOff x="0" y="0"/>
-          <a:chExt cx="0" cy="0"/>
-        </a:xfrm>
-      </p:grpSpPr>
-      <p:sp>
-        <p:nvSpPr>
-          <p:cNvPr id="2" name="Title 1">
-            <a:extLst>
-              <a:ext uri="{FF2B5EF4-FFF2-40B4-BE49-F238E27FC236}">
-                <a16:creationId xmlns:a16="http://schemas.microsoft.com/office/drawing/2014/main" id="{FF144CF6-BFA0-4F89-9E0D-4CE9A82FE075}"/>
-              </a:ext>
-            </a:extLst>
-          </p:cNvPr>
-          <p:cNvSpPr>
-            <a:spLocks noGrp="1"/>
-          </p:cNvSpPr>
-          <p:nvPr>
-            <p:ph type="title"/>
-          </p:nvPr>
-        </p:nvSpPr>
-        <p:spPr/>
-        <p:txBody>
-          <a:bodyPr>
-            <a:normAutofit fontScale="90000"/>
-          </a:bodyPr>
-          <a:lstStyle/>
-          <a:p>
-            <a:r>
-              <a:rPr lang="en-US" dirty="0"/>
-              <a:t>Pact test – Preparation - 1</a:t>
-            </a:r>
-          </a:p>
-        </p:txBody>
-      </p:sp>
-      <p:sp>
-        <p:nvSpPr>
-          <p:cNvPr id="3" name="Text Placeholder 2">
-            <a:extLst>
-              <a:ext uri="{FF2B5EF4-FFF2-40B4-BE49-F238E27FC236}">
-                <a16:creationId xmlns:a16="http://schemas.microsoft.com/office/drawing/2014/main" id="{4B45FBFF-45D8-4BF8-95EB-2F36D3F69DF4}"/>
-              </a:ext>
-            </a:extLst>
-          </p:cNvPr>
-          <p:cNvSpPr>
-            <a:spLocks noGrp="1"/>
-          </p:cNvSpPr>
-          <p:nvPr>
-            <p:ph type="body" idx="1"/>
-          </p:nvPr>
-        </p:nvSpPr>
-        <p:spPr>
-          <a:xfrm>
-            <a:off x="311700" y="1152475"/>
-            <a:ext cx="8520600" cy="1419275"/>
-          </a:xfrm>
-        </p:spPr>
-        <p:txBody>
-          <a:bodyPr>
-            <a:normAutofit lnSpcReduction="10000"/>
-          </a:bodyPr>
-          <a:lstStyle/>
-          <a:p>
-            <a:r>
-              <a:rPr lang="en-US" dirty="0"/>
-              <a:t>Delete any previous script, restart, and upload the 00Master.json</a:t>
-            </a:r>
-          </a:p>
-          <a:p>
-            <a:r>
-              <a:rPr lang="en-US" dirty="0"/>
-              <a:t>Search for all the “www” and “gateway” calls, remove them</a:t>
-            </a:r>
-          </a:p>
-          <a:p>
-            <a:r>
-              <a:rPr lang="en-US" dirty="0"/>
-              <a:t>On the Full tab select all the calls and set them as PACT</a:t>
-            </a:r>
-          </a:p>
-          <a:p>
-            <a:r>
-              <a:rPr lang="en-US" dirty="0"/>
-              <a:t>Set on all the responses with a body the script to verify the schema</a:t>
-            </a:r>
-          </a:p>
-          <a:p>
-            <a:endParaRPr lang="en-US" dirty="0"/>
-          </a:p>
-          <a:p>
-            <a:endParaRPr lang="en-US" dirty="0"/>
-          </a:p>
-          <a:p>
-            <a:endParaRPr lang="en-US" dirty="0"/>
-          </a:p>
-          <a:p>
-            <a:endParaRPr lang="en-US" dirty="0"/>
-          </a:p>
-        </p:txBody>
-      </p:sp>
-      <p:sp>
-        <p:nvSpPr>
-          <p:cNvPr id="5" name="TextBox 4">
-            <a:extLst>
-              <a:ext uri="{FF2B5EF4-FFF2-40B4-BE49-F238E27FC236}">
-                <a16:creationId xmlns:a16="http://schemas.microsoft.com/office/drawing/2014/main" id="{7355E3AA-7C7E-40B5-9A37-E5CA1C0085D3}"/>
-              </a:ext>
-            </a:extLst>
-          </p:cNvPr>
-          <p:cNvSpPr txBox="1"/>
-          <p:nvPr/>
-        </p:nvSpPr>
-        <p:spPr>
-          <a:xfrm>
-            <a:off x="763398" y="2444890"/>
-            <a:ext cx="7617204" cy="523220"/>
-          </a:xfrm>
-          <a:prstGeom prst="rect">
-            <a:avLst/>
-          </a:prstGeom>
-          <a:noFill/>
-        </p:spPr>
-        <p:txBody>
-          <a:bodyPr wrap="square" rtlCol="0">
-            <a:spAutoFit/>
-          </a:bodyPr>
-          <a:lstStyle/>
-          <a:p>
-            <a:r>
-              <a:rPr lang="en-US" dirty="0"/>
-              <a:t>var </a:t>
-            </a:r>
-            <a:r>
-              <a:rPr lang="en-US" dirty="0" err="1"/>
-              <a:t>diffEngine</a:t>
-            </a:r>
-            <a:r>
-              <a:rPr lang="en-US" dirty="0"/>
-              <a:t> = new </a:t>
-            </a:r>
-            <a:r>
-              <a:rPr lang="en-US" dirty="0" err="1"/>
-              <a:t>org.kendar.xml.DiffInferrer</a:t>
-            </a:r>
-            <a:r>
-              <a:rPr lang="en-US" dirty="0"/>
-              <a:t>();</a:t>
-            </a:r>
-          </a:p>
-          <a:p>
-            <a:r>
-              <a:rPr lang="en-US" dirty="0" err="1"/>
-              <a:t>diffEngine.diff</a:t>
-            </a:r>
-            <a:r>
-              <a:rPr lang="en-US" dirty="0"/>
-              <a:t>(</a:t>
-            </a:r>
-            <a:r>
-              <a:rPr lang="en-US" dirty="0" err="1"/>
-              <a:t>expectedresponse.getResponseText</a:t>
-            </a:r>
-            <a:r>
-              <a:rPr lang="en-US" dirty="0"/>
-              <a:t>(),</a:t>
-            </a:r>
-            <a:r>
-              <a:rPr lang="en-US" dirty="0" err="1"/>
-              <a:t>response.getResponseText</a:t>
-            </a:r>
-            <a:r>
-              <a:rPr lang="en-US" dirty="0"/>
-              <a:t>());</a:t>
-            </a:r>
-          </a:p>
-        </p:txBody>
-      </p:sp>
-      <p:sp>
-        <p:nvSpPr>
-          <p:cNvPr id="6" name="Text Placeholder 2">
-            <a:extLst>
-              <a:ext uri="{FF2B5EF4-FFF2-40B4-BE49-F238E27FC236}">
-                <a16:creationId xmlns:a16="http://schemas.microsoft.com/office/drawing/2014/main" id="{47EF244B-EE61-40CE-9670-451E431E601F}"/>
-              </a:ext>
-            </a:extLst>
-          </p:cNvPr>
-          <p:cNvSpPr txBox="1">
-            <a:spLocks/>
-          </p:cNvSpPr>
-          <p:nvPr/>
-        </p:nvSpPr>
-        <p:spPr>
-          <a:xfrm>
-            <a:off x="311700" y="2968110"/>
-            <a:ext cx="8068902" cy="834318"/>
-          </a:xfrm>
-          <a:prstGeom prst="rect">
-            <a:avLst/>
-          </a:prstGeom>
-          <a:noFill/>
-          <a:ln>
-            <a:noFill/>
-          </a:ln>
-        </p:spPr>
-        <p:txBody>
-          <a:bodyPr spcFirstLastPara="1" wrap="square" lIns="91425" tIns="91425" rIns="91425" bIns="91425" anchor="t" anchorCtr="0">
-            <a:normAutofit/>
-          </a:bodyPr>
-          <a:lstStyle>
-            <a:defPPr marR="0" lvl="0" algn="l" rtl="0">
-              <a:lnSpc>
-                <a:spcPct val="100000"/>
-              </a:lnSpc>
-              <a:spcBef>
-                <a:spcPts val="0"/>
-              </a:spcBef>
-              <a:spcAft>
-                <a:spcPts val="0"/>
-              </a:spcAft>
-            </a:defPPr>
-            <a:lvl1pPr marL="457200" marR="0" lvl="0" indent="-342900" algn="l" rtl="0">
-              <a:lnSpc>
-                <a:spcPct val="115000"/>
-              </a:lnSpc>
-              <a:spcBef>
-                <a:spcPts val="0"/>
-              </a:spcBef>
-              <a:spcAft>
-                <a:spcPts val="0"/>
-              </a:spcAft>
-              <a:buClr>
-                <a:schemeClr val="dk2"/>
-              </a:buClr>
-              <a:buSzPts val="1800"/>
-              <a:buFont typeface="Arial"/>
-              <a:buChar char="●"/>
-              <a:defRPr sz="1800" b="0" i="0" u="none" strike="noStrike" cap="none">
-                <a:solidFill>
-                  <a:schemeClr val="dk2"/>
-                </a:solidFill>
-                <a:latin typeface="Arial"/>
-                <a:ea typeface="Arial"/>
-                <a:cs typeface="Arial"/>
-                <a:sym typeface="Arial"/>
-              </a:defRPr>
-            </a:lvl1pPr>
-            <a:lvl2pPr marL="914400" marR="0" lvl="1" indent="-317500" algn="l" rtl="0">
-              <a:lnSpc>
-                <a:spcPct val="115000"/>
-              </a:lnSpc>
-              <a:spcBef>
-                <a:spcPts val="0"/>
-              </a:spcBef>
-              <a:spcAft>
-                <a:spcPts val="0"/>
-              </a:spcAft>
-              <a:buClr>
-                <a:schemeClr val="dk2"/>
-              </a:buClr>
-              <a:buSzPts val="1400"/>
-              <a:buFont typeface="Arial"/>
-              <a:buChar char="○"/>
-              <a:defRPr sz="1400" b="0" i="0" u="none" strike="noStrike" cap="none">
-                <a:solidFill>
-                  <a:schemeClr val="dk2"/>
-                </a:solidFill>
-                <a:latin typeface="Arial"/>
-                <a:ea typeface="Arial"/>
-                <a:cs typeface="Arial"/>
-                <a:sym typeface="Arial"/>
-              </a:defRPr>
-            </a:lvl2pPr>
-            <a:lvl3pPr marL="1371600" marR="0" lvl="2" indent="-317500" algn="l" rtl="0">
-              <a:lnSpc>
-                <a:spcPct val="115000"/>
-              </a:lnSpc>
-              <a:spcBef>
-                <a:spcPts val="0"/>
-              </a:spcBef>
-              <a:spcAft>
-                <a:spcPts val="0"/>
-              </a:spcAft>
-              <a:buClr>
-                <a:schemeClr val="dk2"/>
-              </a:buClr>
-              <a:buSzPts val="1400"/>
-              <a:buFont typeface="Arial"/>
-              <a:buChar char="■"/>
-              <a:defRPr sz="1400" b="0" i="0" u="none" strike="noStrike" cap="none">
-                <a:solidFill>
-                  <a:schemeClr val="dk2"/>
-                </a:solidFill>
-                <a:latin typeface="Arial"/>
-                <a:ea typeface="Arial"/>
-                <a:cs typeface="Arial"/>
-                <a:sym typeface="Arial"/>
-              </a:defRPr>
-            </a:lvl3pPr>
-            <a:lvl4pPr marL="1828800" marR="0" lvl="3" indent="-317500" algn="l" rtl="0">
-              <a:lnSpc>
-                <a:spcPct val="115000"/>
-              </a:lnSpc>
-              <a:spcBef>
-                <a:spcPts val="0"/>
-              </a:spcBef>
-              <a:spcAft>
-                <a:spcPts val="0"/>
-              </a:spcAft>
-              <a:buClr>
-                <a:schemeClr val="dk2"/>
-              </a:buClr>
-              <a:buSzPts val="1400"/>
-              <a:buFont typeface="Arial"/>
-              <a:buChar char="●"/>
-              <a:defRPr sz="1400" b="0" i="0" u="none" strike="noStrike" cap="none">
-                <a:solidFill>
-                  <a:schemeClr val="dk2"/>
-                </a:solidFill>
-                <a:latin typeface="Arial"/>
-                <a:ea typeface="Arial"/>
-                <a:cs typeface="Arial"/>
-                <a:sym typeface="Arial"/>
-              </a:defRPr>
-            </a:lvl4pPr>
-            <a:lvl5pPr marL="2286000" marR="0" lvl="4" indent="-317500" algn="l" rtl="0">
-              <a:lnSpc>
-                <a:spcPct val="115000"/>
-              </a:lnSpc>
-              <a:spcBef>
-                <a:spcPts val="0"/>
-              </a:spcBef>
-              <a:spcAft>
-                <a:spcPts val="0"/>
-              </a:spcAft>
-              <a:buClr>
-                <a:schemeClr val="dk2"/>
-              </a:buClr>
-              <a:buSzPts val="1400"/>
-              <a:buFont typeface="Arial"/>
-              <a:buChar char="○"/>
-              <a:defRPr sz="1400" b="0" i="0" u="none" strike="noStrike" cap="none">
-                <a:solidFill>
-                  <a:schemeClr val="dk2"/>
-                </a:solidFill>
-                <a:latin typeface="Arial"/>
-                <a:ea typeface="Arial"/>
-                <a:cs typeface="Arial"/>
-                <a:sym typeface="Arial"/>
-              </a:defRPr>
-            </a:lvl5pPr>
-            <a:lvl6pPr marL="2743200" marR="0" lvl="5" indent="-317500" algn="l" rtl="0">
-              <a:lnSpc>
-                <a:spcPct val="115000"/>
-              </a:lnSpc>
-              <a:spcBef>
-                <a:spcPts val="0"/>
-              </a:spcBef>
-              <a:spcAft>
-                <a:spcPts val="0"/>
-              </a:spcAft>
-              <a:buClr>
-                <a:schemeClr val="dk2"/>
-              </a:buClr>
-              <a:buSzPts val="1400"/>
-              <a:buFont typeface="Arial"/>
-              <a:buChar char="■"/>
-              <a:defRPr sz="1400" b="0" i="0" u="none" strike="noStrike" cap="none">
-                <a:solidFill>
-                  <a:schemeClr val="dk2"/>
-                </a:solidFill>
-                <a:latin typeface="Arial"/>
-                <a:ea typeface="Arial"/>
-                <a:cs typeface="Arial"/>
-                <a:sym typeface="Arial"/>
-              </a:defRPr>
-            </a:lvl6pPr>
-            <a:lvl7pPr marL="3200400" marR="0" lvl="6" indent="-317500" algn="l" rtl="0">
-              <a:lnSpc>
-                <a:spcPct val="115000"/>
-              </a:lnSpc>
-              <a:spcBef>
-                <a:spcPts val="0"/>
-              </a:spcBef>
-              <a:spcAft>
-                <a:spcPts val="0"/>
-              </a:spcAft>
-              <a:buClr>
-                <a:schemeClr val="dk2"/>
-              </a:buClr>
-              <a:buSzPts val="1400"/>
-              <a:buFont typeface="Arial"/>
-              <a:buChar char="●"/>
-              <a:defRPr sz="1400" b="0" i="0" u="none" strike="noStrike" cap="none">
-                <a:solidFill>
-                  <a:schemeClr val="dk2"/>
-                </a:solidFill>
-                <a:latin typeface="Arial"/>
-                <a:ea typeface="Arial"/>
-                <a:cs typeface="Arial"/>
-                <a:sym typeface="Arial"/>
-              </a:defRPr>
-            </a:lvl7pPr>
-            <a:lvl8pPr marL="3657600" marR="0" lvl="7" indent="-317500" algn="l" rtl="0">
-              <a:lnSpc>
-                <a:spcPct val="115000"/>
-              </a:lnSpc>
-              <a:spcBef>
-                <a:spcPts val="0"/>
-              </a:spcBef>
-              <a:spcAft>
-                <a:spcPts val="0"/>
-              </a:spcAft>
-              <a:buClr>
-                <a:schemeClr val="dk2"/>
-              </a:buClr>
-              <a:buSzPts val="1400"/>
-              <a:buFont typeface="Arial"/>
-              <a:buChar char="○"/>
-              <a:defRPr sz="1400" b="0" i="0" u="none" strike="noStrike" cap="none">
-                <a:solidFill>
-                  <a:schemeClr val="dk2"/>
-                </a:solidFill>
-                <a:latin typeface="Arial"/>
-                <a:ea typeface="Arial"/>
-                <a:cs typeface="Arial"/>
-                <a:sym typeface="Arial"/>
-              </a:defRPr>
-            </a:lvl8pPr>
-            <a:lvl9pPr marL="4114800" marR="0" lvl="8" indent="-317500" algn="l" rtl="0">
-              <a:lnSpc>
-                <a:spcPct val="115000"/>
-              </a:lnSpc>
-              <a:spcBef>
-                <a:spcPts val="0"/>
-              </a:spcBef>
-              <a:spcAft>
-                <a:spcPts val="0"/>
-              </a:spcAft>
-              <a:buClr>
-                <a:schemeClr val="dk2"/>
-              </a:buClr>
-              <a:buSzPts val="1400"/>
-              <a:buFont typeface="Arial"/>
-              <a:buChar char="■"/>
-              <a:defRPr sz="1400" b="0" i="0" u="none" strike="noStrike" cap="none">
-                <a:solidFill>
-                  <a:schemeClr val="dk2"/>
-                </a:solidFill>
-                <a:latin typeface="Arial"/>
-                <a:ea typeface="Arial"/>
-                <a:cs typeface="Arial"/>
-                <a:sym typeface="Arial"/>
-              </a:defRPr>
-            </a:lvl9pPr>
-          </a:lstStyle>
-          <a:p>
-            <a:r>
-              <a:rPr lang="en-US" dirty="0"/>
-              <a:t>Set on the response of POST to employees the script to store the just created id and set the “</a:t>
-            </a:r>
-            <a:r>
-              <a:rPr lang="en-US" dirty="0" err="1"/>
-              <a:t>eid</a:t>
-            </a:r>
-            <a:r>
-              <a:rPr lang="en-US" dirty="0"/>
-              <a:t>” variable</a:t>
-            </a:r>
-          </a:p>
-          <a:p>
-            <a:endParaRPr lang="en-US" dirty="0"/>
-          </a:p>
-          <a:p>
-            <a:endParaRPr lang="en-US" dirty="0"/>
-          </a:p>
-          <a:p>
-            <a:endParaRPr lang="en-US" dirty="0"/>
-          </a:p>
-          <a:p>
-            <a:endParaRPr lang="en-US" dirty="0"/>
-          </a:p>
-        </p:txBody>
-      </p:sp>
-      <p:sp>
-        <p:nvSpPr>
-          <p:cNvPr id="7" name="TextBox 6">
-            <a:extLst>
-              <a:ext uri="{FF2B5EF4-FFF2-40B4-BE49-F238E27FC236}">
-                <a16:creationId xmlns:a16="http://schemas.microsoft.com/office/drawing/2014/main" id="{7360F410-29F4-4D90-831A-45ABE6C2B410}"/>
-              </a:ext>
-            </a:extLst>
-          </p:cNvPr>
-          <p:cNvSpPr txBox="1"/>
-          <p:nvPr/>
-        </p:nvSpPr>
-        <p:spPr>
-          <a:xfrm>
-            <a:off x="763398" y="3700079"/>
-            <a:ext cx="7617204" cy="954107"/>
-          </a:xfrm>
-          <a:prstGeom prst="rect">
-            <a:avLst/>
-          </a:prstGeom>
-          <a:noFill/>
-        </p:spPr>
-        <p:txBody>
-          <a:bodyPr wrap="square" rtlCol="0">
-            <a:spAutoFit/>
-          </a:bodyPr>
-          <a:lstStyle/>
-          <a:p>
-            <a:r>
-              <a:rPr lang="en-US" dirty="0"/>
-              <a:t>var </a:t>
-            </a:r>
-            <a:r>
-              <a:rPr lang="en-US" dirty="0" err="1"/>
-              <a:t>realResponse</a:t>
-            </a:r>
-            <a:r>
-              <a:rPr lang="en-US" dirty="0"/>
-              <a:t> = </a:t>
-            </a:r>
-            <a:r>
-              <a:rPr lang="en-US" dirty="0" err="1"/>
-              <a:t>JSON.parse</a:t>
-            </a:r>
-            <a:r>
-              <a:rPr lang="en-US" dirty="0"/>
-              <a:t>(</a:t>
-            </a:r>
-            <a:r>
-              <a:rPr lang="en-US" dirty="0" err="1"/>
-              <a:t>response.getResponseText</a:t>
-            </a:r>
-            <a:r>
-              <a:rPr lang="en-US" dirty="0"/>
-              <a:t>());</a:t>
-            </a:r>
-          </a:p>
-          <a:p>
-            <a:r>
-              <a:rPr lang="en-US" dirty="0"/>
-              <a:t>var </a:t>
-            </a:r>
-            <a:r>
-              <a:rPr lang="en-US" dirty="0" err="1"/>
-              <a:t>realId</a:t>
-            </a:r>
-            <a:r>
-              <a:rPr lang="en-US" dirty="0"/>
-              <a:t> = </a:t>
-            </a:r>
-            <a:r>
-              <a:rPr lang="en-US" dirty="0" err="1"/>
-              <a:t>realResponse</a:t>
-            </a:r>
-            <a:r>
-              <a:rPr lang="en-US" dirty="0"/>
-              <a:t>['id'];</a:t>
-            </a:r>
-          </a:p>
-          <a:p>
-            <a:r>
-              <a:rPr lang="en-US" dirty="0"/>
-              <a:t>var cache = new </a:t>
-            </a:r>
-            <a:r>
-              <a:rPr lang="en-US" dirty="0" err="1"/>
-              <a:t>org.kendar.replayer.Cache</a:t>
-            </a:r>
-            <a:r>
-              <a:rPr lang="en-US" dirty="0"/>
-              <a:t>();</a:t>
-            </a:r>
-          </a:p>
-          <a:p>
-            <a:r>
-              <a:rPr lang="en-US" dirty="0" err="1"/>
-              <a:t>cache.set</a:t>
-            </a:r>
-            <a:r>
-              <a:rPr lang="en-US" dirty="0"/>
-              <a:t>(</a:t>
-            </a:r>
-            <a:r>
-              <a:rPr lang="en-US" dirty="0" err="1"/>
-              <a:t>runid</a:t>
-            </a:r>
-            <a:r>
-              <a:rPr lang="en-US" dirty="0"/>
-              <a:t>,'</a:t>
-            </a:r>
-            <a:r>
-              <a:rPr lang="en-US" dirty="0" err="1"/>
-              <a:t>eid</a:t>
-            </a:r>
-            <a:r>
-              <a:rPr lang="en-US" dirty="0"/>
-              <a:t>',</a:t>
-            </a:r>
-            <a:r>
-              <a:rPr lang="en-US" dirty="0" err="1"/>
-              <a:t>realId</a:t>
-            </a:r>
-            <a:r>
-              <a:rPr lang="en-US" dirty="0"/>
-              <a:t>);</a:t>
-            </a:r>
-          </a:p>
-        </p:txBody>
-      </p:sp>
-    </p:spTree>
-    <p:extLst>
-      <p:ext uri="{BB962C8B-B14F-4D97-AF65-F5344CB8AC3E}">
-        <p14:creationId xmlns:p14="http://schemas.microsoft.com/office/powerpoint/2010/main" val="3758491864"/>
-      </p:ext>
-    </p:extLst>
-  </p:cSld>
-  <p:clrMapOvr>
-    <a:masterClrMapping/>
-  </p:clrMapOvr>
-</p:sld>
-</file>
-
-<file path=ppt/slides/slide16.xml><?xml version="1.0" encoding="utf-8"?>
-<p:sld xmlns:a="http://schemas.openxmlformats.org/drawingml/2006/main" xmlns:r="http://schemas.openxmlformats.org/officeDocument/2006/relationships" xmlns:p="http://schemas.openxmlformats.org/presentationml/2006/main">
-  <p:cSld>
-    <p:spTree>
-      <p:nvGrpSpPr>
-        <p:cNvPr id="1" name=""/>
-        <p:cNvGrpSpPr/>
-        <p:nvPr/>
-      </p:nvGrpSpPr>
-      <p:grpSpPr>
-        <a:xfrm>
-          <a:off x="0" y="0"/>
-          <a:ext cx="0" cy="0"/>
-          <a:chOff x="0" y="0"/>
-          <a:chExt cx="0" cy="0"/>
-        </a:xfrm>
-      </p:grpSpPr>
-      <p:sp>
-        <p:nvSpPr>
-          <p:cNvPr id="2" name="Title 1">
-            <a:extLst>
-              <a:ext uri="{FF2B5EF4-FFF2-40B4-BE49-F238E27FC236}">
-                <a16:creationId xmlns:a16="http://schemas.microsoft.com/office/drawing/2014/main" id="{FF144CF6-BFA0-4F89-9E0D-4CE9A82FE075}"/>
-              </a:ext>
-            </a:extLst>
-          </p:cNvPr>
-          <p:cNvSpPr>
-            <a:spLocks noGrp="1"/>
-          </p:cNvSpPr>
-          <p:nvPr>
-            <p:ph type="title"/>
-          </p:nvPr>
-        </p:nvSpPr>
-        <p:spPr/>
-        <p:txBody>
-          <a:bodyPr>
-            <a:normAutofit fontScale="90000"/>
-          </a:bodyPr>
-          <a:lstStyle/>
-          <a:p>
-            <a:r>
-              <a:rPr lang="en-US" dirty="0"/>
-              <a:t>Pact test – Preparation -2 </a:t>
-            </a:r>
-          </a:p>
-        </p:txBody>
-      </p:sp>
-      <p:sp>
-        <p:nvSpPr>
-          <p:cNvPr id="3" name="Text Placeholder 2">
-            <a:extLst>
-              <a:ext uri="{FF2B5EF4-FFF2-40B4-BE49-F238E27FC236}">
-                <a16:creationId xmlns:a16="http://schemas.microsoft.com/office/drawing/2014/main" id="{4B45FBFF-45D8-4BF8-95EB-2F36D3F69DF4}"/>
-              </a:ext>
-            </a:extLst>
-          </p:cNvPr>
-          <p:cNvSpPr>
-            <a:spLocks noGrp="1"/>
-          </p:cNvSpPr>
-          <p:nvPr>
-            <p:ph type="body" idx="1"/>
-          </p:nvPr>
-        </p:nvSpPr>
-        <p:spPr>
-          <a:xfrm>
-            <a:off x="311700" y="1152475"/>
-            <a:ext cx="8520600" cy="954107"/>
-          </a:xfrm>
-        </p:spPr>
-        <p:txBody>
-          <a:bodyPr>
-            <a:normAutofit/>
-          </a:bodyPr>
-          <a:lstStyle/>
-          <a:p>
-            <a:r>
-              <a:rPr lang="en-US" dirty="0"/>
-              <a:t>Add on the POST response to appointments the following script to retrieve the appointment id and set the “aid” variable</a:t>
-            </a:r>
-          </a:p>
-          <a:p>
-            <a:endParaRPr lang="en-US" dirty="0"/>
-          </a:p>
-          <a:p>
-            <a:endParaRPr lang="en-US" dirty="0"/>
-          </a:p>
-          <a:p>
-            <a:endParaRPr lang="en-US" dirty="0"/>
-          </a:p>
-          <a:p>
-            <a:endParaRPr lang="en-US" dirty="0"/>
-          </a:p>
-        </p:txBody>
-      </p:sp>
-      <p:sp>
-        <p:nvSpPr>
-          <p:cNvPr id="7" name="TextBox 6">
-            <a:extLst>
-              <a:ext uri="{FF2B5EF4-FFF2-40B4-BE49-F238E27FC236}">
-                <a16:creationId xmlns:a16="http://schemas.microsoft.com/office/drawing/2014/main" id="{7360F410-29F4-4D90-831A-45ABE6C2B410}"/>
-              </a:ext>
-            </a:extLst>
-          </p:cNvPr>
-          <p:cNvSpPr txBox="1"/>
-          <p:nvPr/>
-        </p:nvSpPr>
-        <p:spPr>
-          <a:xfrm>
-            <a:off x="763398" y="1862112"/>
-            <a:ext cx="7617204" cy="954107"/>
-          </a:xfrm>
-          <a:prstGeom prst="rect">
-            <a:avLst/>
-          </a:prstGeom>
-          <a:noFill/>
-        </p:spPr>
-        <p:txBody>
-          <a:bodyPr wrap="square" rtlCol="0">
-            <a:spAutoFit/>
-          </a:bodyPr>
-          <a:lstStyle/>
-          <a:p>
-            <a:r>
-              <a:rPr lang="en-US" dirty="0"/>
-              <a:t>var </a:t>
-            </a:r>
-            <a:r>
-              <a:rPr lang="en-US" dirty="0" err="1"/>
-              <a:t>realResponse</a:t>
-            </a:r>
-            <a:r>
-              <a:rPr lang="en-US" dirty="0"/>
-              <a:t> = </a:t>
-            </a:r>
-            <a:r>
-              <a:rPr lang="en-US" dirty="0" err="1"/>
-              <a:t>JSON.parse</a:t>
-            </a:r>
-            <a:r>
-              <a:rPr lang="en-US" dirty="0"/>
-              <a:t>(</a:t>
-            </a:r>
-            <a:r>
-              <a:rPr lang="en-US" dirty="0" err="1"/>
-              <a:t>response.getResponseText</a:t>
-            </a:r>
-            <a:r>
-              <a:rPr lang="en-US" dirty="0"/>
-              <a:t>());</a:t>
-            </a:r>
-          </a:p>
-          <a:p>
-            <a:r>
-              <a:rPr lang="en-US" dirty="0"/>
-              <a:t>var </a:t>
-            </a:r>
-            <a:r>
-              <a:rPr lang="en-US" dirty="0" err="1"/>
-              <a:t>realId</a:t>
-            </a:r>
-            <a:r>
-              <a:rPr lang="en-US" dirty="0"/>
-              <a:t> = </a:t>
-            </a:r>
-            <a:r>
-              <a:rPr lang="en-US" dirty="0" err="1"/>
-              <a:t>realResponse</a:t>
-            </a:r>
-            <a:r>
-              <a:rPr lang="en-US" dirty="0"/>
-              <a:t>['id'];</a:t>
-            </a:r>
-          </a:p>
-          <a:p>
-            <a:r>
-              <a:rPr lang="en-US" dirty="0"/>
-              <a:t>var cache = new </a:t>
-            </a:r>
-            <a:r>
-              <a:rPr lang="en-US" dirty="0" err="1"/>
-              <a:t>org.kendar.replayer.Cache</a:t>
-            </a:r>
-            <a:r>
-              <a:rPr lang="en-US" dirty="0"/>
-              <a:t>();</a:t>
-            </a:r>
-          </a:p>
-          <a:p>
-            <a:r>
-              <a:rPr lang="en-US" dirty="0" err="1"/>
-              <a:t>cache.set</a:t>
-            </a:r>
-            <a:r>
-              <a:rPr lang="en-US" dirty="0"/>
-              <a:t>(</a:t>
-            </a:r>
-            <a:r>
-              <a:rPr lang="en-US" dirty="0" err="1"/>
-              <a:t>runid</a:t>
-            </a:r>
-            <a:r>
-              <a:rPr lang="en-US" dirty="0"/>
-              <a:t>,'aid',</a:t>
-            </a:r>
-            <a:r>
-              <a:rPr lang="en-US" dirty="0" err="1"/>
-              <a:t>realId</a:t>
-            </a:r>
-            <a:r>
-              <a:rPr lang="en-US" dirty="0"/>
-              <a:t>);</a:t>
-            </a:r>
-          </a:p>
-        </p:txBody>
-      </p:sp>
-      <p:sp>
-        <p:nvSpPr>
-          <p:cNvPr id="8" name="Text Placeholder 2">
-            <a:extLst>
-              <a:ext uri="{FF2B5EF4-FFF2-40B4-BE49-F238E27FC236}">
-                <a16:creationId xmlns:a16="http://schemas.microsoft.com/office/drawing/2014/main" id="{AF4F9D1D-3726-45FF-A4BD-28F141D4D943}"/>
-              </a:ext>
-            </a:extLst>
-          </p:cNvPr>
-          <p:cNvSpPr txBox="1">
-            <a:spLocks/>
-          </p:cNvSpPr>
-          <p:nvPr/>
-        </p:nvSpPr>
-        <p:spPr>
-          <a:xfrm>
-            <a:off x="311700" y="2816219"/>
-            <a:ext cx="8520600" cy="1882256"/>
-          </a:xfrm>
-          <a:prstGeom prst="rect">
-            <a:avLst/>
-          </a:prstGeom>
-          <a:noFill/>
-          <a:ln>
-            <a:noFill/>
-          </a:ln>
-        </p:spPr>
-        <p:txBody>
-          <a:bodyPr spcFirstLastPara="1" wrap="square" lIns="91425" tIns="91425" rIns="91425" bIns="91425" anchor="t" anchorCtr="0">
-            <a:normAutofit/>
-          </a:bodyPr>
-          <a:lstStyle>
-            <a:defPPr marR="0" lvl="0" algn="l" rtl="0">
-              <a:lnSpc>
-                <a:spcPct val="100000"/>
-              </a:lnSpc>
-              <a:spcBef>
-                <a:spcPts val="0"/>
-              </a:spcBef>
-              <a:spcAft>
-                <a:spcPts val="0"/>
-              </a:spcAft>
-            </a:defPPr>
-            <a:lvl1pPr marL="457200" marR="0" lvl="0" indent="-342900" algn="l" rtl="0">
-              <a:lnSpc>
-                <a:spcPct val="115000"/>
-              </a:lnSpc>
-              <a:spcBef>
-                <a:spcPts val="0"/>
-              </a:spcBef>
-              <a:spcAft>
-                <a:spcPts val="0"/>
-              </a:spcAft>
-              <a:buClr>
-                <a:schemeClr val="dk2"/>
-              </a:buClr>
-              <a:buSzPts val="1800"/>
-              <a:buFont typeface="Arial"/>
-              <a:buChar char="●"/>
-              <a:defRPr sz="1800" b="0" i="0" u="none" strike="noStrike" cap="none">
-                <a:solidFill>
-                  <a:schemeClr val="dk2"/>
-                </a:solidFill>
-                <a:latin typeface="Arial"/>
-                <a:ea typeface="Arial"/>
-                <a:cs typeface="Arial"/>
-                <a:sym typeface="Arial"/>
-              </a:defRPr>
-            </a:lvl1pPr>
-            <a:lvl2pPr marL="914400" marR="0" lvl="1" indent="-317500" algn="l" rtl="0">
-              <a:lnSpc>
-                <a:spcPct val="115000"/>
-              </a:lnSpc>
-              <a:spcBef>
-                <a:spcPts val="0"/>
-              </a:spcBef>
-              <a:spcAft>
-                <a:spcPts val="0"/>
-              </a:spcAft>
-              <a:buClr>
-                <a:schemeClr val="dk2"/>
-              </a:buClr>
-              <a:buSzPts val="1400"/>
-              <a:buFont typeface="Arial"/>
-              <a:buChar char="○"/>
-              <a:defRPr sz="1400" b="0" i="0" u="none" strike="noStrike" cap="none">
-                <a:solidFill>
-                  <a:schemeClr val="dk2"/>
-                </a:solidFill>
-                <a:latin typeface="Arial"/>
-                <a:ea typeface="Arial"/>
-                <a:cs typeface="Arial"/>
-                <a:sym typeface="Arial"/>
-              </a:defRPr>
-            </a:lvl2pPr>
-            <a:lvl3pPr marL="1371600" marR="0" lvl="2" indent="-317500" algn="l" rtl="0">
-              <a:lnSpc>
-                <a:spcPct val="115000"/>
-              </a:lnSpc>
-              <a:spcBef>
-                <a:spcPts val="0"/>
-              </a:spcBef>
-              <a:spcAft>
-                <a:spcPts val="0"/>
-              </a:spcAft>
-              <a:buClr>
-                <a:schemeClr val="dk2"/>
-              </a:buClr>
-              <a:buSzPts val="1400"/>
-              <a:buFont typeface="Arial"/>
-              <a:buChar char="■"/>
-              <a:defRPr sz="1400" b="0" i="0" u="none" strike="noStrike" cap="none">
-                <a:solidFill>
-                  <a:schemeClr val="dk2"/>
-                </a:solidFill>
-                <a:latin typeface="Arial"/>
-                <a:ea typeface="Arial"/>
-                <a:cs typeface="Arial"/>
-                <a:sym typeface="Arial"/>
-              </a:defRPr>
-            </a:lvl3pPr>
-            <a:lvl4pPr marL="1828800" marR="0" lvl="3" indent="-317500" algn="l" rtl="0">
-              <a:lnSpc>
-                <a:spcPct val="115000"/>
-              </a:lnSpc>
-              <a:spcBef>
-                <a:spcPts val="0"/>
-              </a:spcBef>
-              <a:spcAft>
-                <a:spcPts val="0"/>
-              </a:spcAft>
-              <a:buClr>
-                <a:schemeClr val="dk2"/>
-              </a:buClr>
-              <a:buSzPts val="1400"/>
-              <a:buFont typeface="Arial"/>
-              <a:buChar char="●"/>
-              <a:defRPr sz="1400" b="0" i="0" u="none" strike="noStrike" cap="none">
-                <a:solidFill>
-                  <a:schemeClr val="dk2"/>
-                </a:solidFill>
-                <a:latin typeface="Arial"/>
-                <a:ea typeface="Arial"/>
-                <a:cs typeface="Arial"/>
-                <a:sym typeface="Arial"/>
-              </a:defRPr>
-            </a:lvl4pPr>
-            <a:lvl5pPr marL="2286000" marR="0" lvl="4" indent="-317500" algn="l" rtl="0">
-              <a:lnSpc>
-                <a:spcPct val="115000"/>
-              </a:lnSpc>
-              <a:spcBef>
-                <a:spcPts val="0"/>
-              </a:spcBef>
-              <a:spcAft>
-                <a:spcPts val="0"/>
-              </a:spcAft>
-              <a:buClr>
-                <a:schemeClr val="dk2"/>
-              </a:buClr>
-              <a:buSzPts val="1400"/>
-              <a:buFont typeface="Arial"/>
-              <a:buChar char="○"/>
-              <a:defRPr sz="1400" b="0" i="0" u="none" strike="noStrike" cap="none">
-                <a:solidFill>
-                  <a:schemeClr val="dk2"/>
-                </a:solidFill>
-                <a:latin typeface="Arial"/>
-                <a:ea typeface="Arial"/>
-                <a:cs typeface="Arial"/>
-                <a:sym typeface="Arial"/>
-              </a:defRPr>
-            </a:lvl5pPr>
-            <a:lvl6pPr marL="2743200" marR="0" lvl="5" indent="-317500" algn="l" rtl="0">
-              <a:lnSpc>
-                <a:spcPct val="115000"/>
-              </a:lnSpc>
-              <a:spcBef>
-                <a:spcPts val="0"/>
-              </a:spcBef>
-              <a:spcAft>
-                <a:spcPts val="0"/>
-              </a:spcAft>
-              <a:buClr>
-                <a:schemeClr val="dk2"/>
-              </a:buClr>
-              <a:buSzPts val="1400"/>
-              <a:buFont typeface="Arial"/>
-              <a:buChar char="■"/>
-              <a:defRPr sz="1400" b="0" i="0" u="none" strike="noStrike" cap="none">
-                <a:solidFill>
-                  <a:schemeClr val="dk2"/>
-                </a:solidFill>
-                <a:latin typeface="Arial"/>
-                <a:ea typeface="Arial"/>
-                <a:cs typeface="Arial"/>
-                <a:sym typeface="Arial"/>
-              </a:defRPr>
-            </a:lvl6pPr>
-            <a:lvl7pPr marL="3200400" marR="0" lvl="6" indent="-317500" algn="l" rtl="0">
-              <a:lnSpc>
-                <a:spcPct val="115000"/>
-              </a:lnSpc>
-              <a:spcBef>
-                <a:spcPts val="0"/>
-              </a:spcBef>
-              <a:spcAft>
-                <a:spcPts val="0"/>
-              </a:spcAft>
-              <a:buClr>
-                <a:schemeClr val="dk2"/>
-              </a:buClr>
-              <a:buSzPts val="1400"/>
-              <a:buFont typeface="Arial"/>
-              <a:buChar char="●"/>
-              <a:defRPr sz="1400" b="0" i="0" u="none" strike="noStrike" cap="none">
-                <a:solidFill>
-                  <a:schemeClr val="dk2"/>
-                </a:solidFill>
-                <a:latin typeface="Arial"/>
-                <a:ea typeface="Arial"/>
-                <a:cs typeface="Arial"/>
-                <a:sym typeface="Arial"/>
-              </a:defRPr>
-            </a:lvl7pPr>
-            <a:lvl8pPr marL="3657600" marR="0" lvl="7" indent="-317500" algn="l" rtl="0">
-              <a:lnSpc>
-                <a:spcPct val="115000"/>
-              </a:lnSpc>
-              <a:spcBef>
-                <a:spcPts val="0"/>
-              </a:spcBef>
-              <a:spcAft>
-                <a:spcPts val="0"/>
-              </a:spcAft>
-              <a:buClr>
-                <a:schemeClr val="dk2"/>
-              </a:buClr>
-              <a:buSzPts val="1400"/>
-              <a:buFont typeface="Arial"/>
-              <a:buChar char="○"/>
-              <a:defRPr sz="1400" b="0" i="0" u="none" strike="noStrike" cap="none">
-                <a:solidFill>
-                  <a:schemeClr val="dk2"/>
-                </a:solidFill>
-                <a:latin typeface="Arial"/>
-                <a:ea typeface="Arial"/>
-                <a:cs typeface="Arial"/>
-                <a:sym typeface="Arial"/>
-              </a:defRPr>
-            </a:lvl8pPr>
-            <a:lvl9pPr marL="4114800" marR="0" lvl="8" indent="-317500" algn="l" rtl="0">
-              <a:lnSpc>
-                <a:spcPct val="115000"/>
-              </a:lnSpc>
-              <a:spcBef>
-                <a:spcPts val="0"/>
-              </a:spcBef>
-              <a:spcAft>
-                <a:spcPts val="0"/>
-              </a:spcAft>
-              <a:buClr>
-                <a:schemeClr val="dk2"/>
-              </a:buClr>
-              <a:buSzPts val="1400"/>
-              <a:buFont typeface="Arial"/>
-              <a:buChar char="■"/>
-              <a:defRPr sz="1400" b="0" i="0" u="none" strike="noStrike" cap="none">
-                <a:solidFill>
-                  <a:schemeClr val="dk2"/>
-                </a:solidFill>
-                <a:latin typeface="Arial"/>
-                <a:ea typeface="Arial"/>
-                <a:cs typeface="Arial"/>
-                <a:sym typeface="Arial"/>
-              </a:defRPr>
-            </a:lvl9pPr>
-          </a:lstStyle>
-          <a:p>
-            <a:r>
-              <a:rPr lang="en-US" dirty="0"/>
-              <a:t>On all the requests, containing the index of the employee replace it (in the path) with ##eid##</a:t>
-            </a:r>
-          </a:p>
-          <a:p>
-            <a:r>
-              <a:rPr lang="en-US" dirty="0"/>
-              <a:t>On all the requests, containing the index of the employee replace it (in the path) with ##aid##</a:t>
-            </a:r>
-          </a:p>
-          <a:p>
-            <a:r>
-              <a:rPr lang="en-US" dirty="0"/>
-              <a:t>Save as 03Pact.json</a:t>
-            </a:r>
-          </a:p>
-          <a:p>
-            <a:endParaRPr lang="en-US" dirty="0"/>
-          </a:p>
-          <a:p>
-            <a:endParaRPr lang="en-US" dirty="0"/>
-          </a:p>
-          <a:p>
-            <a:endParaRPr lang="en-US" dirty="0"/>
-          </a:p>
-          <a:p>
-            <a:endParaRPr lang="en-US" dirty="0"/>
-          </a:p>
-          <a:p>
-            <a:endParaRPr lang="en-US" dirty="0"/>
-          </a:p>
-        </p:txBody>
-      </p:sp>
-    </p:spTree>
-    <p:extLst>
-      <p:ext uri="{BB962C8B-B14F-4D97-AF65-F5344CB8AC3E}">
-        <p14:creationId xmlns:p14="http://schemas.microsoft.com/office/powerpoint/2010/main" val="1280475614"/>
-      </p:ext>
-    </p:extLst>
-  </p:cSld>
-  <p:clrMapOvr>
-    <a:masterClrMapping/>
-  </p:clrMapOvr>
-</p:sld>
-</file>
-
-<file path=ppt/slides/slide17.xml><?xml version="1.0" encoding="utf-8"?>
-<p:sld xmlns:a="http://schemas.openxmlformats.org/drawingml/2006/main" xmlns:r="http://schemas.openxmlformats.org/officeDocument/2006/relationships" xmlns:p="http://schemas.openxmlformats.org/presentationml/2006/main">
-  <p:cSld>
-    <p:spTree>
-      <p:nvGrpSpPr>
-        <p:cNvPr id="1" name=""/>
-        <p:cNvGrpSpPr/>
-        <p:nvPr/>
-      </p:nvGrpSpPr>
-      <p:grpSpPr>
-        <a:xfrm>
-          <a:off x="0" y="0"/>
-          <a:ext cx="0" cy="0"/>
-          <a:chOff x="0" y="0"/>
-          <a:chExt cx="0" cy="0"/>
-        </a:xfrm>
-      </p:grpSpPr>
-      <p:sp>
-        <p:nvSpPr>
-          <p:cNvPr id="2" name="Title 1">
-            <a:extLst>
-              <a:ext uri="{FF2B5EF4-FFF2-40B4-BE49-F238E27FC236}">
-                <a16:creationId xmlns:a16="http://schemas.microsoft.com/office/drawing/2014/main" id="{FF144CF6-BFA0-4F89-9E0D-4CE9A82FE075}"/>
-              </a:ext>
-            </a:extLst>
-          </p:cNvPr>
-          <p:cNvSpPr>
-            <a:spLocks noGrp="1"/>
-          </p:cNvSpPr>
-          <p:nvPr>
-            <p:ph type="title"/>
-          </p:nvPr>
-        </p:nvSpPr>
-        <p:spPr/>
-        <p:txBody>
-          <a:bodyPr>
-            <a:normAutofit fontScale="90000"/>
-          </a:bodyPr>
-          <a:lstStyle/>
-          <a:p>
-            <a:r>
-              <a:rPr lang="en-US" dirty="0"/>
-              <a:t>Pact test - Success</a:t>
-            </a:r>
-          </a:p>
-        </p:txBody>
-      </p:sp>
-      <p:sp>
-        <p:nvSpPr>
-          <p:cNvPr id="3" name="Text Placeholder 2">
-            <a:extLst>
-              <a:ext uri="{FF2B5EF4-FFF2-40B4-BE49-F238E27FC236}">
-                <a16:creationId xmlns:a16="http://schemas.microsoft.com/office/drawing/2014/main" id="{4B45FBFF-45D8-4BF8-95EB-2F36D3F69DF4}"/>
-              </a:ext>
-            </a:extLst>
-          </p:cNvPr>
-          <p:cNvSpPr>
-            <a:spLocks noGrp="1"/>
-          </p:cNvSpPr>
-          <p:nvPr>
-            <p:ph type="body" idx="1"/>
-          </p:nvPr>
-        </p:nvSpPr>
-        <p:spPr/>
-        <p:txBody>
-          <a:bodyPr>
-            <a:normAutofit/>
-          </a:bodyPr>
-          <a:lstStyle/>
-          <a:p>
-            <a:r>
-              <a:rPr lang="en-US" dirty="0"/>
-              <a:t>Delete any previous script, restart, and upload the 03Pact.json</a:t>
-            </a:r>
-          </a:p>
-          <a:p>
-            <a:r>
-              <a:rPr lang="en-US" dirty="0"/>
-              <a:t>Run the PACT test</a:t>
-            </a:r>
-          </a:p>
-          <a:p>
-            <a:r>
-              <a:rPr lang="en-US" dirty="0"/>
-              <a:t>Check the result</a:t>
-            </a:r>
-          </a:p>
-          <a:p>
-            <a:endParaRPr lang="en-US" dirty="0"/>
-          </a:p>
-        </p:txBody>
-      </p:sp>
-    </p:spTree>
-    <p:extLst>
-      <p:ext uri="{BB962C8B-B14F-4D97-AF65-F5344CB8AC3E}">
-        <p14:creationId xmlns:p14="http://schemas.microsoft.com/office/powerpoint/2010/main" val="1167130209"/>
-      </p:ext>
-    </p:extLst>
-  </p:cSld>
-  <p:clrMapOvr>
-    <a:masterClrMapping/>
-  </p:clrMapOvr>
-</p:sld>
-</file>
-
-<file path=ppt/slides/slide18.xml><?xml version="1.0" encoding="utf-8"?>
-<p:sld xmlns:a="http://schemas.openxmlformats.org/drawingml/2006/main" xmlns:r="http://schemas.openxmlformats.org/officeDocument/2006/relationships" xmlns:p="http://schemas.openxmlformats.org/presentationml/2006/main">
-  <p:cSld>
-    <p:spTree>
-      <p:nvGrpSpPr>
-        <p:cNvPr id="1" name=""/>
-        <p:cNvGrpSpPr/>
-        <p:nvPr/>
-      </p:nvGrpSpPr>
-      <p:grpSpPr>
-        <a:xfrm>
-          <a:off x="0" y="0"/>
-          <a:ext cx="0" cy="0"/>
-          <a:chOff x="0" y="0"/>
-          <a:chExt cx="0" cy="0"/>
-        </a:xfrm>
-      </p:grpSpPr>
-      <p:sp>
-        <p:nvSpPr>
-          <p:cNvPr id="2" name="Title 1">
-            <a:extLst>
-              <a:ext uri="{FF2B5EF4-FFF2-40B4-BE49-F238E27FC236}">
-                <a16:creationId xmlns:a16="http://schemas.microsoft.com/office/drawing/2014/main" id="{FF144CF6-BFA0-4F89-9E0D-4CE9A82FE075}"/>
-              </a:ext>
-            </a:extLst>
-          </p:cNvPr>
-          <p:cNvSpPr>
-            <a:spLocks noGrp="1"/>
-          </p:cNvSpPr>
-          <p:nvPr>
-            <p:ph type="title"/>
-          </p:nvPr>
-        </p:nvSpPr>
-        <p:spPr/>
-        <p:txBody>
-          <a:bodyPr>
-            <a:normAutofit fontScale="90000"/>
-          </a:bodyPr>
-          <a:lstStyle/>
-          <a:p>
-            <a:r>
-              <a:rPr lang="en-US" dirty="0"/>
-              <a:t>Pact test - Fail</a:t>
-            </a:r>
-          </a:p>
-        </p:txBody>
-      </p:sp>
-      <p:sp>
-        <p:nvSpPr>
-          <p:cNvPr id="3" name="Text Placeholder 2">
-            <a:extLst>
-              <a:ext uri="{FF2B5EF4-FFF2-40B4-BE49-F238E27FC236}">
-                <a16:creationId xmlns:a16="http://schemas.microsoft.com/office/drawing/2014/main" id="{4B45FBFF-45D8-4BF8-95EB-2F36D3F69DF4}"/>
-              </a:ext>
-            </a:extLst>
-          </p:cNvPr>
-          <p:cNvSpPr>
-            <a:spLocks noGrp="1"/>
-          </p:cNvSpPr>
-          <p:nvPr>
-            <p:ph type="body" idx="1"/>
-          </p:nvPr>
-        </p:nvSpPr>
-        <p:spPr/>
-        <p:txBody>
-          <a:bodyPr>
-            <a:normAutofit/>
-          </a:bodyPr>
-          <a:lstStyle/>
-          <a:p>
-            <a:r>
-              <a:rPr lang="en-US" dirty="0"/>
-              <a:t>Delete any previous script, restart, and upload the 03Pact.json</a:t>
-            </a:r>
-          </a:p>
-          <a:p>
-            <a:r>
-              <a:rPr lang="en-US" dirty="0"/>
-              <a:t>Edit the response data from the first POST and add a field to the json object, something like “</a:t>
-            </a:r>
-            <a:r>
-              <a:rPr lang="en-US" dirty="0" err="1"/>
-              <a:t>test”:”something</a:t>
-            </a:r>
-            <a:r>
-              <a:rPr lang="en-US" dirty="0"/>
-              <a:t>”</a:t>
-            </a:r>
-          </a:p>
-          <a:p>
-            <a:r>
-              <a:rPr lang="en-US" dirty="0"/>
-              <a:t>Run the PACT test</a:t>
-            </a:r>
-          </a:p>
-          <a:p>
-            <a:r>
-              <a:rPr lang="en-US" dirty="0"/>
-              <a:t>Enjoy the error!</a:t>
-            </a:r>
-          </a:p>
-          <a:p>
-            <a:endParaRPr lang="en-US" dirty="0"/>
-          </a:p>
-        </p:txBody>
-      </p:sp>
-    </p:spTree>
-    <p:extLst>
-      <p:ext uri="{BB962C8B-B14F-4D97-AF65-F5344CB8AC3E}">
-        <p14:creationId xmlns:p14="http://schemas.microsoft.com/office/powerpoint/2010/main" val="1972050398"/>
-      </p:ext>
-    </p:extLst>
-  </p:cSld>
-  <p:clrMapOvr>
-    <a:masterClrMapping/>
-  </p:clrMapOvr>
-</p:sld>
-</file>
-
-<file path=ppt/slides/slide19.xml><?xml version="1.0" encoding="utf-8"?>
-<p:sld xmlns:a="http://schemas.openxmlformats.org/drawingml/2006/main" xmlns:r="http://schemas.openxmlformats.org/officeDocument/2006/relationships" xmlns:p="http://schemas.openxmlformats.org/presentationml/2006/main">
-  <p:cSld>
-    <p:spTree>
-      <p:nvGrpSpPr>
-        <p:cNvPr id="1" name="Shape 144"/>
-        <p:cNvGrpSpPr/>
-        <p:nvPr/>
-      </p:nvGrpSpPr>
-      <p:grpSpPr>
-        <a:xfrm>
-          <a:off x="0" y="0"/>
-          <a:ext cx="0" cy="0"/>
-          <a:chOff x="0" y="0"/>
-          <a:chExt cx="0" cy="0"/>
-        </a:xfrm>
-      </p:grpSpPr>
-      <p:sp>
-        <p:nvSpPr>
-          <p:cNvPr id="145" name="Google Shape;145;p28"/>
-          <p:cNvSpPr txBox="1">
-            <a:spLocks noGrp="1"/>
-          </p:cNvSpPr>
-          <p:nvPr>
-            <p:ph type="title"/>
-          </p:nvPr>
-        </p:nvSpPr>
-        <p:spPr>
-          <a:xfrm>
-            <a:off x="311700" y="445025"/>
-            <a:ext cx="8520600" cy="572700"/>
-          </a:xfrm>
-          <a:prstGeom prst="rect">
-            <a:avLst/>
-          </a:prstGeom>
-        </p:spPr>
-        <p:txBody>
-          <a:bodyPr spcFirstLastPara="1" wrap="square" lIns="91425" tIns="91425" rIns="91425" bIns="91425" anchor="t" anchorCtr="0">
-            <a:normAutofit fontScale="90000"/>
-          </a:bodyPr>
-          <a:lstStyle/>
-          <a:p>
-            <a:pPr marL="0" lvl="0" indent="0" algn="l" rtl="0">
-              <a:spcBef>
-                <a:spcPts val="0"/>
-              </a:spcBef>
-              <a:spcAft>
-                <a:spcPts val="0"/>
-              </a:spcAft>
-              <a:buNone/>
-            </a:pPr>
-            <a:r>
-              <a:rPr lang="en"/>
-              <a:t>Thanks</a:t>
-            </a:r>
-            <a:endParaRPr/>
-          </a:p>
-        </p:txBody>
-      </p:sp>
-      <p:sp>
-        <p:nvSpPr>
-          <p:cNvPr id="146" name="Google Shape;146;p28"/>
-          <p:cNvSpPr txBox="1">
-            <a:spLocks noGrp="1"/>
-          </p:cNvSpPr>
-          <p:nvPr>
-            <p:ph type="body" idx="1"/>
-          </p:nvPr>
-        </p:nvSpPr>
-        <p:spPr>
-          <a:xfrm>
-            <a:off x="311700" y="1152475"/>
-            <a:ext cx="8520600" cy="3416400"/>
-          </a:xfrm>
-          <a:prstGeom prst="rect">
-            <a:avLst/>
-          </a:prstGeom>
-        </p:spPr>
-        <p:txBody>
-          <a:bodyPr spcFirstLastPara="1" wrap="square" lIns="91425" tIns="91425" rIns="91425" bIns="91425" anchor="t" anchorCtr="0">
-            <a:normAutofit/>
-          </a:bodyPr>
-          <a:lstStyle/>
-          <a:p>
-            <a:pPr marL="0" lvl="0" indent="0" algn="l" rtl="0">
-              <a:spcBef>
-                <a:spcPts val="0"/>
-              </a:spcBef>
-              <a:spcAft>
-                <a:spcPts val="0"/>
-              </a:spcAft>
-              <a:buNone/>
-            </a:pPr>
-            <a:r>
-              <a:rPr lang="en"/>
-              <a:t>My email: </a:t>
-            </a:r>
-            <a:r>
-              <a:rPr lang="en" u="sng">
-                <a:solidFill>
-                  <a:schemeClr val="hlink"/>
-                </a:solidFill>
-                <a:hlinkClick r:id="rId3"/>
-              </a:rPr>
-              <a:t>enrico.daros@lastminute.com</a:t>
-            </a:r>
-            <a:endParaRPr/>
-          </a:p>
-          <a:p>
-            <a:pPr marL="0" lvl="0" indent="0" algn="l" rtl="0">
-              <a:spcBef>
-                <a:spcPts val="1200"/>
-              </a:spcBef>
-              <a:spcAft>
-                <a:spcPts val="0"/>
-              </a:spcAft>
-              <a:buNone/>
-            </a:pPr>
-            <a:r>
-              <a:rPr lang="en"/>
-              <a:t>The project: </a:t>
-            </a:r>
-            <a:r>
-              <a:rPr lang="en" u="sng">
-                <a:solidFill>
-                  <a:schemeClr val="hlink"/>
-                </a:solidFill>
-                <a:hlinkClick r:id="rId4"/>
-              </a:rPr>
-              <a:t>https://github.com/kendarorg/HttpAnsweringMachine</a:t>
-            </a:r>
-            <a:endParaRPr/>
-          </a:p>
-          <a:p>
-            <a:pPr marL="0" lvl="0" indent="0" algn="l" rtl="0">
-              <a:spcBef>
-                <a:spcPts val="1200"/>
-              </a:spcBef>
-              <a:spcAft>
-                <a:spcPts val="0"/>
-              </a:spcAft>
-              <a:buNone/>
-            </a:pPr>
-            <a:r>
-              <a:rPr lang="en"/>
-              <a:t>CA Generator: </a:t>
-            </a:r>
-            <a:r>
-              <a:rPr lang="en" u="sng">
-                <a:solidFill>
-                  <a:schemeClr val="hlink"/>
-                </a:solidFill>
-                <a:hlinkClick r:id="rId5"/>
-              </a:rPr>
-              <a:t>https://github.com/kendarorg/JavaCaCertGenerator</a:t>
-            </a:r>
-            <a:endParaRPr/>
-          </a:p>
-          <a:p>
-            <a:pPr marL="0" lvl="0" indent="0" algn="l" rtl="0">
-              <a:spcBef>
-                <a:spcPts val="1200"/>
-              </a:spcBef>
-              <a:spcAft>
-                <a:spcPts val="0"/>
-              </a:spcAft>
-              <a:buNone/>
-            </a:pPr>
-            <a:endParaRPr/>
-          </a:p>
-          <a:p>
-            <a:pPr marL="0" lvl="0" indent="0" algn="l" rtl="0">
-              <a:spcBef>
-                <a:spcPts val="1200"/>
-              </a:spcBef>
-              <a:spcAft>
-                <a:spcPts val="1200"/>
-              </a:spcAft>
-              <a:buNone/>
-            </a:pPr>
-            <a:endParaRPr/>
-          </a:p>
-        </p:txBody>
-      </p:sp>
-    </p:spTree>
   </p:cSld>
   <p:clrMapOvr>
     <a:masterClrMapping/>
@@ -8416,12 +6585,119 @@
           <a:chExt cx="0" cy="0"/>
         </a:xfrm>
       </p:grpSpPr>
+      <p:pic>
+        <p:nvPicPr>
+          <p:cNvPr id="1028" name="Picture 4" descr="Technology Web Background. Virtual Concept. World Network Technology  Communication Background. Stock Photo - Image of chip, display: 154263980">
+            <a:extLst>
+              <a:ext uri="{FF2B5EF4-FFF2-40B4-BE49-F238E27FC236}">
+                <a16:creationId xmlns:a16="http://schemas.microsoft.com/office/drawing/2014/main" id="{78FE92D7-AD9E-4309-B40C-370C56E57EAC}"/>
+              </a:ext>
+            </a:extLst>
+          </p:cNvPr>
+          <p:cNvPicPr>
+            <a:picLocks noChangeAspect="1" noChangeArrowheads="1"/>
+          </p:cNvPicPr>
+          <p:nvPr/>
+        </p:nvPicPr>
+        <p:blipFill>
+          <a:blip r:embed="rId3">
+            <a:extLst>
+              <a:ext uri="{28A0092B-C50C-407E-A947-70E740481C1C}">
+                <a14:useLocalDpi xmlns:a14="http://schemas.microsoft.com/office/drawing/2010/main" val="0"/>
+              </a:ext>
+            </a:extLst>
+          </a:blip>
+          <a:srcRect/>
+          <a:stretch>
+            <a:fillRect/>
+          </a:stretch>
+        </p:blipFill>
+        <p:spPr bwMode="auto">
+          <a:xfrm>
+            <a:off x="0" y="0"/>
+            <a:ext cx="9144000" cy="5143500"/>
+          </a:xfrm>
+          <a:prstGeom prst="rect">
+            <a:avLst/>
+          </a:prstGeom>
+          <a:noFill/>
+          <a:extLst>
+            <a:ext uri="{909E8E84-426E-40DD-AFC4-6F175D3DCCD1}">
+              <a14:hiddenFill xmlns:a14="http://schemas.microsoft.com/office/drawing/2010/main">
+                <a:solidFill>
+                  <a:srgbClr val="FFFFFF"/>
+                </a:solidFill>
+              </a14:hiddenFill>
+            </a:ext>
+          </a:extLst>
+        </p:spPr>
+      </p:pic>
+      <p:pic>
+        <p:nvPicPr>
+          <p:cNvPr id="6" name="Picture 5">
+            <a:extLst>
+              <a:ext uri="{FF2B5EF4-FFF2-40B4-BE49-F238E27FC236}">
+                <a16:creationId xmlns:a16="http://schemas.microsoft.com/office/drawing/2014/main" id="{1A37B2D6-223F-48C5-BCA5-D21E5E194FF6}"/>
+              </a:ext>
+            </a:extLst>
+          </p:cNvPr>
+          <p:cNvPicPr>
+            <a:picLocks noChangeAspect="1"/>
+          </p:cNvPicPr>
+          <p:nvPr/>
+        </p:nvPicPr>
+        <p:blipFill>
+          <a:blip r:embed="rId4"/>
+          <a:stretch>
+            <a:fillRect/>
+          </a:stretch>
+        </p:blipFill>
+        <p:spPr>
+          <a:xfrm>
+            <a:off x="292100" y="205714"/>
+            <a:ext cx="5486400" cy="3982774"/>
+          </a:xfrm>
+          <a:prstGeom prst="rect">
+            <a:avLst/>
+          </a:prstGeom>
+        </p:spPr>
+      </p:pic>
+      <p:pic>
+        <p:nvPicPr>
+          <p:cNvPr id="8" name="Picture 7">
+            <a:extLst>
+              <a:ext uri="{FF2B5EF4-FFF2-40B4-BE49-F238E27FC236}">
+                <a16:creationId xmlns:a16="http://schemas.microsoft.com/office/drawing/2014/main" id="{2E68CFDF-FB39-4AC0-A104-F5CD7EF1B5D1}"/>
+              </a:ext>
+            </a:extLst>
+          </p:cNvPr>
+          <p:cNvPicPr>
+            <a:picLocks noChangeAspect="1"/>
+          </p:cNvPicPr>
+          <p:nvPr/>
+        </p:nvPicPr>
+        <p:blipFill>
+          <a:blip r:embed="rId5"/>
+          <a:stretch>
+            <a:fillRect/>
+          </a:stretch>
+        </p:blipFill>
+        <p:spPr>
+          <a:xfrm>
+            <a:off x="2514454" y="2781024"/>
+            <a:ext cx="6223292" cy="2273576"/>
+          </a:xfrm>
+          <a:prstGeom prst="rect">
+            <a:avLst/>
+          </a:prstGeom>
+        </p:spPr>
+      </p:pic>
       <p:sp>
         <p:nvSpPr>
-          <p:cNvPr id="5" name="Text Placeholder 4">
+          <p:cNvPr id="11" name="Title 1">
             <a:extLst>
               <a:ext uri="{FF2B5EF4-FFF2-40B4-BE49-F238E27FC236}">
-                <a16:creationId xmlns:a16="http://schemas.microsoft.com/office/drawing/2014/main" id="{5E8A8458-7B61-4758-9A34-66A45AD58EC8}"/>
+                <a16:creationId xmlns:a16="http://schemas.microsoft.com/office/drawing/2014/main" id="{EC0E6F7A-2776-4F9E-99A3-74A520D45FA3}"/>
               </a:ext>
             </a:extLst>
           </p:cNvPr>
@@ -8429,15 +6705,34 @@
             <a:spLocks noGrp="1"/>
           </p:cNvSpPr>
           <p:nvPr>
-            <p:ph type="body" idx="1"/>
+            <p:ph type="title"/>
           </p:nvPr>
         </p:nvSpPr>
-        <p:spPr/>
+        <p:spPr>
+          <a:xfrm>
+            <a:off x="6070600" y="445025"/>
+            <a:ext cx="2761700" cy="572700"/>
+          </a:xfrm>
+          <a:solidFill>
+            <a:schemeClr val="accent1">
+              <a:lumMod val="50000"/>
+            </a:schemeClr>
+          </a:solidFill>
+        </p:spPr>
         <p:txBody>
-          <a:bodyPr/>
+          <a:bodyPr>
+            <a:normAutofit fontScale="90000"/>
+          </a:bodyPr>
           <a:lstStyle/>
           <a:p>
-            <a:endParaRPr lang="en-US"/>
+            <a:r>
+              <a:rPr lang="en-US" dirty="0">
+                <a:solidFill>
+                  <a:schemeClr val="bg1"/>
+                </a:solidFill>
+              </a:rPr>
+              <a:t>Look! A UI!</a:t>
+            </a:r>
           </a:p>
         </p:txBody>
       </p:sp>
@@ -8471,154 +6766,51 @@
           <a:chExt cx="0" cy="0"/>
         </a:xfrm>
       </p:grpSpPr>
-      <p:sp>
-        <p:nvSpPr>
-          <p:cNvPr id="2" name="Title 1">
+      <p:pic>
+        <p:nvPicPr>
+          <p:cNvPr id="2052" name="Picture 4" descr="TARDIS Plan - Shirtoid">
             <a:extLst>
               <a:ext uri="{FF2B5EF4-FFF2-40B4-BE49-F238E27FC236}">
-                <a16:creationId xmlns:a16="http://schemas.microsoft.com/office/drawing/2014/main" id="{4D99B4BF-0B90-4911-800F-E8A1B012A396}"/>
+                <a16:creationId xmlns:a16="http://schemas.microsoft.com/office/drawing/2014/main" id="{67113264-B922-40A4-B4A6-388943BED740}"/>
               </a:ext>
             </a:extLst>
           </p:cNvPr>
-          <p:cNvSpPr>
-            <a:spLocks noGrp="1"/>
-          </p:cNvSpPr>
-          <p:nvPr>
-            <p:ph type="title"/>
-          </p:nvPr>
-        </p:nvSpPr>
-        <p:spPr/>
-        <p:txBody>
-          <a:bodyPr>
-            <a:normAutofit fontScale="90000"/>
-          </a:bodyPr>
-          <a:lstStyle/>
-          <a:p>
-            <a:r>
-              <a:rPr lang="en-US" dirty="0"/>
-              <a:t>Inspiration</a:t>
-            </a:r>
-          </a:p>
-        </p:txBody>
-      </p:sp>
-      <p:sp>
-        <p:nvSpPr>
-          <p:cNvPr id="3" name="Text Placeholder 2">
+          <p:cNvPicPr>
+            <a:picLocks noChangeAspect="1" noChangeArrowheads="1"/>
+          </p:cNvPicPr>
+          <p:nvPr/>
+        </p:nvPicPr>
+        <p:blipFill rotWithShape="1">
+          <a:blip r:embed="rId3">
             <a:extLst>
-              <a:ext uri="{FF2B5EF4-FFF2-40B4-BE49-F238E27FC236}">
-                <a16:creationId xmlns:a16="http://schemas.microsoft.com/office/drawing/2014/main" id="{FCE198A8-D8A2-4BE8-87F7-2DC495027EC6}"/>
+              <a:ext uri="{28A0092B-C50C-407E-A947-70E740481C1C}">
+                <a14:useLocalDpi xmlns:a14="http://schemas.microsoft.com/office/drawing/2010/main" val="0"/>
               </a:ext>
             </a:extLst>
-          </p:cNvPr>
-          <p:cNvSpPr>
-            <a:spLocks noGrp="1"/>
-          </p:cNvSpPr>
-          <p:nvPr>
-            <p:ph type="body" idx="1"/>
-          </p:nvPr>
-        </p:nvSpPr>
-        <p:spPr/>
-        <p:txBody>
-          <a:bodyPr/>
-          <a:lstStyle/>
-          <a:p>
-            <a:r>
-              <a:rPr lang="en-US" dirty="0"/>
-              <a:t>MITM Proxy (</a:t>
-            </a:r>
-            <a:r>
-              <a:rPr lang="en" u="sng" dirty="0">
+          </a:blip>
+          <a:srcRect t="12110" b="31640"/>
+          <a:stretch/>
+        </p:blipFill>
+        <p:spPr bwMode="auto">
+          <a:xfrm>
+            <a:off x="0" y="0"/>
+            <a:ext cx="9144000" cy="5143500"/>
+          </a:xfrm>
+          <a:prstGeom prst="rect">
+            <a:avLst/>
+          </a:prstGeom>
+          <a:noFill/>
+          <a:extLst>
+            <a:ext uri="{909E8E84-426E-40DD-AFC4-6F175D3DCCD1}">
+              <a14:hiddenFill xmlns:a14="http://schemas.microsoft.com/office/drawing/2010/main">
                 <a:solidFill>
-                  <a:schemeClr val="hlink"/>
+                  <a:srgbClr val="FFFFFF"/>
                 </a:solidFill>
-                <a:hlinkClick r:id="rId2"/>
-              </a:rPr>
-              <a:t>https://mitmproxy.org</a:t>
-            </a:r>
-            <a:r>
-              <a:rPr lang="en-US" dirty="0"/>
-              <a:t>) to intercept HTTPS requests</a:t>
-            </a:r>
-          </a:p>
-          <a:p>
-            <a:r>
-              <a:rPr lang="en-US" dirty="0"/>
-              <a:t>Traffic Parrot (</a:t>
-            </a:r>
-            <a:r>
-              <a:rPr lang="en" u="sng" dirty="0">
-                <a:solidFill>
-                  <a:schemeClr val="hlink"/>
-                </a:solidFill>
-                <a:hlinkClick r:id="rId3"/>
-              </a:rPr>
-              <a:t>https://trafficparrot.com</a:t>
-            </a:r>
-            <a:r>
-              <a:rPr lang="en" dirty="0"/>
-              <a:t>) to record/replay/mock API calls</a:t>
-            </a:r>
-          </a:p>
-          <a:p>
-            <a:r>
-              <a:rPr lang="en" dirty="0"/>
-              <a:t>Pact.io (</a:t>
-            </a:r>
-            <a:r>
-              <a:rPr lang="en" u="sng" dirty="0">
-                <a:solidFill>
-                  <a:schemeClr val="hlink"/>
-                </a:solidFill>
-                <a:hlinkClick r:id="rId4"/>
-              </a:rPr>
-              <a:t>https://pact.io</a:t>
-            </a:r>
-            <a:r>
-              <a:rPr lang="en" dirty="0"/>
-              <a:t>) for t</a:t>
-            </a:r>
-            <a:r>
-              <a:rPr lang="en-US" dirty="0"/>
-              <a:t>he</a:t>
-            </a:r>
-            <a:r>
-              <a:rPr lang="en" dirty="0"/>
-              <a:t> Contract Testing idea</a:t>
-            </a:r>
-            <a:endParaRPr lang="en-US" dirty="0"/>
-          </a:p>
-        </p:txBody>
-      </p:sp>
-    </p:spTree>
-    <p:extLst>
-      <p:ext uri="{BB962C8B-B14F-4D97-AF65-F5344CB8AC3E}">
-        <p14:creationId xmlns:p14="http://schemas.microsoft.com/office/powerpoint/2010/main" val="3424156612"/>
-      </p:ext>
-    </p:extLst>
-  </p:cSld>
-  <p:clrMapOvr>
-    <a:masterClrMapping/>
-  </p:clrMapOvr>
-</p:sld>
-</file>
-
-<file path=ppt/slides/slide6.xml><?xml version="1.0" encoding="utf-8"?>
-<p:sld xmlns:a="http://schemas.openxmlformats.org/drawingml/2006/main" xmlns:r="http://schemas.openxmlformats.org/officeDocument/2006/relationships" xmlns:p="http://schemas.openxmlformats.org/presentationml/2006/main">
-  <p:cSld>
-    <p:spTree>
-      <p:nvGrpSpPr>
-        <p:cNvPr id="1" name=""/>
-        <p:cNvGrpSpPr/>
-        <p:nvPr/>
-      </p:nvGrpSpPr>
-      <p:grpSpPr>
-        <a:xfrm>
-          <a:off x="0" y="0"/>
-          <a:ext cx="0" cy="0"/>
-          <a:chOff x="0" y="0"/>
-          <a:chExt cx="0" cy="0"/>
-        </a:xfrm>
-      </p:grpSpPr>
+              </a14:hiddenFill>
+            </a:ext>
+          </a:extLst>
+        </p:spPr>
+      </p:pic>
       <p:sp>
         <p:nvSpPr>
           <p:cNvPr id="15" name="Rectangle 14">
@@ -8667,36 +6859,6 @@
       </p:sp>
       <p:sp>
         <p:nvSpPr>
-          <p:cNvPr id="2" name="Title 1">
-            <a:extLst>
-              <a:ext uri="{FF2B5EF4-FFF2-40B4-BE49-F238E27FC236}">
-                <a16:creationId xmlns:a16="http://schemas.microsoft.com/office/drawing/2014/main" id="{064DC88F-A946-40EC-A115-39C5B914FC3E}"/>
-              </a:ext>
-            </a:extLst>
-          </p:cNvPr>
-          <p:cNvSpPr>
-            <a:spLocks noGrp="1"/>
-          </p:cNvSpPr>
-          <p:nvPr>
-            <p:ph type="title"/>
-          </p:nvPr>
-        </p:nvSpPr>
-        <p:spPr/>
-        <p:txBody>
-          <a:bodyPr>
-            <a:normAutofit fontScale="90000"/>
-          </a:bodyPr>
-          <a:lstStyle/>
-          <a:p>
-            <a:r>
-              <a:rPr lang="en-US" dirty="0"/>
-              <a:t>The Sample Application</a:t>
-            </a:r>
-          </a:p>
-        </p:txBody>
-      </p:sp>
-      <p:sp>
-        <p:nvSpPr>
           <p:cNvPr id="3" name="Text Placeholder 2">
             <a:extLst>
               <a:ext uri="{FF2B5EF4-FFF2-40B4-BE49-F238E27FC236}">
@@ -8716,10 +6878,10 @@
           <a:bodyPr/>
           <a:lstStyle/>
           <a:p>
-            <a:r>
-              <a:rPr lang="en-US" dirty="0"/>
-              <a:t>Simple application to store employees and their appointments</a:t>
-            </a:r>
+            <a:pPr marL="114300" indent="0">
+              <a:buNone/>
+            </a:pPr>
+            <a:endParaRPr lang="en-US" dirty="0"/>
           </a:p>
         </p:txBody>
       </p:sp>
@@ -8992,14 +7154,14 @@
           </a:ln>
         </p:spPr>
         <p:style>
-          <a:lnRef idx="1">
-            <a:schemeClr val="accent1"/>
+          <a:lnRef idx="3">
+            <a:schemeClr val="accent6"/>
           </a:lnRef>
           <a:fillRef idx="0">
-            <a:schemeClr val="accent1"/>
+            <a:schemeClr val="accent6"/>
           </a:fillRef>
-          <a:effectRef idx="0">
-            <a:schemeClr val="accent1"/>
+          <a:effectRef idx="2">
+            <a:schemeClr val="accent6"/>
           </a:effectRef>
           <a:fontRef idx="minor">
             <a:schemeClr val="tx1"/>
@@ -9035,14 +7197,14 @@
           </a:ln>
         </p:spPr>
         <p:style>
-          <a:lnRef idx="1">
-            <a:schemeClr val="accent1"/>
+          <a:lnRef idx="3">
+            <a:schemeClr val="accent4"/>
           </a:lnRef>
           <a:fillRef idx="0">
-            <a:schemeClr val="accent1"/>
+            <a:schemeClr val="accent4"/>
           </a:fillRef>
-          <a:effectRef idx="0">
-            <a:schemeClr val="accent1"/>
+          <a:effectRef idx="2">
+            <a:schemeClr val="accent4"/>
           </a:effectRef>
           <a:fontRef idx="minor">
             <a:schemeClr val="tx1"/>
@@ -9078,13 +7240,13 @@
           </a:ln>
         </p:spPr>
         <p:style>
-          <a:lnRef idx="1">
+          <a:lnRef idx="3">
             <a:schemeClr val="accent1"/>
           </a:lnRef>
           <a:fillRef idx="0">
             <a:schemeClr val="accent1"/>
           </a:fillRef>
-          <a:effectRef idx="0">
+          <a:effectRef idx="2">
             <a:schemeClr val="accent1"/>
           </a:effectRef>
           <a:fontRef idx="minor">
@@ -9092,6 +7254,50 @@
           </a:fontRef>
         </p:style>
       </p:cxnSp>
+      <p:sp>
+        <p:nvSpPr>
+          <p:cNvPr id="10" name="Title 9">
+            <a:extLst>
+              <a:ext uri="{FF2B5EF4-FFF2-40B4-BE49-F238E27FC236}">
+                <a16:creationId xmlns:a16="http://schemas.microsoft.com/office/drawing/2014/main" id="{8AB35CF8-1284-4F38-B172-711374637CB5}"/>
+              </a:ext>
+            </a:extLst>
+          </p:cNvPr>
+          <p:cNvSpPr>
+            <a:spLocks noGrp="1"/>
+          </p:cNvSpPr>
+          <p:nvPr>
+            <p:ph type="title"/>
+          </p:nvPr>
+        </p:nvSpPr>
+        <p:spPr>
+          <a:xfrm>
+            <a:off x="311700" y="445025"/>
+            <a:ext cx="5377900" cy="572700"/>
+          </a:xfrm>
+          <a:solidFill>
+            <a:schemeClr val="accent1">
+              <a:lumMod val="50000"/>
+            </a:schemeClr>
+          </a:solidFill>
+        </p:spPr>
+        <p:txBody>
+          <a:bodyPr>
+            <a:normAutofit fontScale="90000"/>
+          </a:bodyPr>
+          <a:lstStyle/>
+          <a:p>
+            <a:r>
+              <a:rPr lang="en-US" dirty="0">
+                <a:solidFill>
+                  <a:schemeClr val="bg1"/>
+                </a:solidFill>
+              </a:rPr>
+              <a:t>The sample application architecture</a:t>
+            </a:r>
+          </a:p>
+        </p:txBody>
+      </p:sp>
     </p:spTree>
     <p:extLst>
       <p:ext uri="{BB962C8B-B14F-4D97-AF65-F5344CB8AC3E}">
@@ -9105,7 +7311,7 @@
 </p:sld>
 </file>
 
-<file path=ppt/slides/slide7.xml><?xml version="1.0" encoding="utf-8"?>
+<file path=ppt/slides/slide6.xml><?xml version="1.0" encoding="utf-8"?>
 <p:sld xmlns:a="http://schemas.openxmlformats.org/drawingml/2006/main" xmlns:r="http://schemas.openxmlformats.org/officeDocument/2006/relationships" xmlns:p="http://schemas.openxmlformats.org/presentationml/2006/main">
   <p:cSld>
     <p:spTree>
@@ -9122,128 +7328,55 @@
           <a:chExt cx="0" cy="0"/>
         </a:xfrm>
       </p:grpSpPr>
-      <p:sp>
-        <p:nvSpPr>
-          <p:cNvPr id="2" name="Title 1">
+      <p:pic>
+        <p:nvPicPr>
+          <p:cNvPr id="4100" name="Picture 4" descr="Pin on Robert Feld, author.">
             <a:extLst>
               <a:ext uri="{FF2B5EF4-FFF2-40B4-BE49-F238E27FC236}">
-                <a16:creationId xmlns:a16="http://schemas.microsoft.com/office/drawing/2014/main" id="{76A84A3D-574C-4FA6-B439-EA44FD16E31B}"/>
+                <a16:creationId xmlns:a16="http://schemas.microsoft.com/office/drawing/2014/main" id="{7CDF9CB8-82BF-4FC9-946F-13C0B17591F9}"/>
               </a:ext>
             </a:extLst>
           </p:cNvPr>
-          <p:cNvSpPr>
-            <a:spLocks noGrp="1"/>
-          </p:cNvSpPr>
-          <p:nvPr>
-            <p:ph type="title"/>
-          </p:nvPr>
-        </p:nvSpPr>
-        <p:spPr/>
-        <p:txBody>
-          <a:bodyPr>
-            <a:normAutofit fontScale="90000"/>
-          </a:bodyPr>
-          <a:lstStyle/>
-          <a:p>
-            <a:r>
-              <a:rPr lang="en-US" dirty="0"/>
-              <a:t>Getting started (local)</a:t>
-            </a:r>
-          </a:p>
-        </p:txBody>
-      </p:sp>
-      <p:sp>
-        <p:nvSpPr>
-          <p:cNvPr id="3" name="Text Placeholder 2">
+          <p:cNvPicPr>
+            <a:picLocks noChangeAspect="1" noChangeArrowheads="1"/>
+          </p:cNvPicPr>
+          <p:nvPr/>
+        </p:nvPicPr>
+        <p:blipFill rotWithShape="1">
+          <a:blip r:embed="rId3">
             <a:extLst>
-              <a:ext uri="{FF2B5EF4-FFF2-40B4-BE49-F238E27FC236}">
-                <a16:creationId xmlns:a16="http://schemas.microsoft.com/office/drawing/2014/main" id="{C3CC9A50-6DC3-4A33-A0C8-60550A2D901D}"/>
+              <a:ext uri="{28A0092B-C50C-407E-A947-70E740481C1C}">
+                <a14:useLocalDpi xmlns:a14="http://schemas.microsoft.com/office/drawing/2010/main" val="0"/>
               </a:ext>
             </a:extLst>
-          </p:cNvPr>
-          <p:cNvSpPr>
-            <a:spLocks noGrp="1"/>
-          </p:cNvSpPr>
-          <p:nvPr>
-            <p:ph type="body" idx="1"/>
-          </p:nvPr>
-        </p:nvSpPr>
-        <p:spPr/>
-        <p:txBody>
-          <a:bodyPr/>
-          <a:lstStyle/>
-          <a:p>
-            <a:r>
-              <a:rPr lang="en-US" dirty="0"/>
-              <a:t>Download the project from </a:t>
-            </a:r>
-            <a:r>
-              <a:rPr lang="en-US" dirty="0">
-                <a:hlinkClick r:id="rId2"/>
-              </a:rPr>
-              <a:t>https://github.com/kendarorg/HttpAnsweringMachine</a:t>
-            </a:r>
-            <a:r>
-              <a:rPr lang="en-US" dirty="0"/>
-              <a:t> </a:t>
-            </a:r>
-          </a:p>
-          <a:p>
-            <a:r>
-              <a:rPr lang="en-US" dirty="0"/>
-              <a:t>Run Make.bat/Make.sh (answer yes to all)</a:t>
-            </a:r>
-          </a:p>
-          <a:p>
-            <a:r>
-              <a:rPr lang="en-US" dirty="0"/>
-              <a:t>Edit the “hosts” file</a:t>
-            </a:r>
-          </a:p>
-          <a:p>
-            <a:r>
-              <a:rPr lang="en-US" dirty="0"/>
-              <a:t>Run Run.bat/Run.sh (answer “no” docker)</a:t>
-            </a:r>
-          </a:p>
-          <a:p>
-            <a:r>
-              <a:rPr lang="en-US" dirty="0"/>
-              <a:t>Browse the app on </a:t>
-            </a:r>
-            <a:r>
-              <a:rPr lang="en-US" dirty="0">
-                <a:hlinkClick r:id="rId3"/>
-              </a:rPr>
-              <a:t>http://www.local.test</a:t>
-            </a:r>
-            <a:endParaRPr lang="en-US" dirty="0"/>
-          </a:p>
-          <a:p>
-            <a:r>
-              <a:rPr lang="en-US" dirty="0"/>
-              <a:t>Browse the sample on </a:t>
-            </a:r>
-            <a:r>
-              <a:rPr lang="en-US" dirty="0">
-                <a:hlinkClick r:id="rId4"/>
-              </a:rPr>
-              <a:t>http://www.sample.test</a:t>
-            </a:r>
-            <a:endParaRPr lang="en-US" dirty="0"/>
-          </a:p>
-          <a:p>
-            <a:endParaRPr lang="en-US" dirty="0"/>
-          </a:p>
-          <a:p>
-            <a:endParaRPr lang="en-US" dirty="0"/>
-          </a:p>
-        </p:txBody>
-      </p:sp>
+          </a:blip>
+          <a:srcRect t="4477" b="12036"/>
+          <a:stretch/>
+        </p:blipFill>
+        <p:spPr bwMode="auto">
+          <a:xfrm>
+            <a:off x="0" y="0"/>
+            <a:ext cx="9144000" cy="5143500"/>
+          </a:xfrm>
+          <a:prstGeom prst="rect">
+            <a:avLst/>
+          </a:prstGeom>
+          <a:noFill/>
+          <a:extLst>
+            <a:ext uri="{909E8E84-426E-40DD-AFC4-6F175D3DCCD1}">
+              <a14:hiddenFill xmlns:a14="http://schemas.microsoft.com/office/drawing/2010/main">
+                <a:solidFill>
+                  <a:srgbClr val="FFFFFF"/>
+                </a:solidFill>
+              </a14:hiddenFill>
+            </a:ext>
+          </a:extLst>
+        </p:spPr>
+      </p:pic>
     </p:spTree>
     <p:extLst>
       <p:ext uri="{BB962C8B-B14F-4D97-AF65-F5344CB8AC3E}">
-        <p14:creationId xmlns:p14="http://schemas.microsoft.com/office/powerpoint/2010/main" val="1251103612"/>
+        <p14:creationId xmlns:p14="http://schemas.microsoft.com/office/powerpoint/2010/main" val="764710641"/>
       </p:ext>
     </p:extLst>
   </p:cSld>
@@ -9253,12 +7386,12 @@
 </p:sld>
 </file>
 
-<file path=ppt/slides/slide8.xml><?xml version="1.0" encoding="utf-8"?>
+<file path=ppt/slides/slide7.xml><?xml version="1.0" encoding="utf-8"?>
 <p:sld xmlns:a="http://schemas.openxmlformats.org/drawingml/2006/main" xmlns:r="http://schemas.openxmlformats.org/officeDocument/2006/relationships" xmlns:p="http://schemas.openxmlformats.org/presentationml/2006/main">
   <p:cSld>
     <p:spTree>
       <p:nvGrpSpPr>
-        <p:cNvPr id="1" name=""/>
+        <p:cNvPr id="1" name="Shape 144"/>
         <p:cNvGrpSpPr/>
         <p:nvPr/>
       </p:nvGrpSpPr>
@@ -9270,197 +7403,90 @@
           <a:chExt cx="0" cy="0"/>
         </a:xfrm>
       </p:grpSpPr>
-      <p:sp>
-        <p:nvSpPr>
-          <p:cNvPr id="2" name="Title 1">
+      <p:pic>
+        <p:nvPicPr>
+          <p:cNvPr id="5" name="Picture 4">
             <a:extLst>
               <a:ext uri="{FF2B5EF4-FFF2-40B4-BE49-F238E27FC236}">
-                <a16:creationId xmlns:a16="http://schemas.microsoft.com/office/drawing/2014/main" id="{AD06897E-DAC5-4346-9284-8898E9EED604}"/>
+                <a16:creationId xmlns:a16="http://schemas.microsoft.com/office/drawing/2014/main" id="{1AF918A6-CE9C-4D0F-BB33-C44B5E2B7E41}"/>
               </a:ext>
             </a:extLst>
           </p:cNvPr>
-          <p:cNvSpPr>
+          <p:cNvPicPr>
+            <a:picLocks noChangeAspect="1"/>
+          </p:cNvPicPr>
+          <p:nvPr/>
+        </p:nvPicPr>
+        <p:blipFill>
+          <a:blip r:embed="rId3"/>
+          <a:stretch>
+            <a:fillRect/>
+          </a:stretch>
+        </p:blipFill>
+        <p:spPr>
+          <a:xfrm>
+            <a:off x="-33618" y="0"/>
+            <a:ext cx="9177618" cy="5143500"/>
+          </a:xfrm>
+          <a:prstGeom prst="rect">
+            <a:avLst/>
+          </a:prstGeom>
+        </p:spPr>
+      </p:pic>
+      <p:sp>
+        <p:nvSpPr>
+          <p:cNvPr id="145" name="Google Shape;145;p28"/>
+          <p:cNvSpPr txBox="1">
             <a:spLocks noGrp="1"/>
           </p:cNvSpPr>
           <p:nvPr>
             <p:ph type="title"/>
           </p:nvPr>
         </p:nvSpPr>
-        <p:spPr/>
+        <p:spPr>
+          <a:xfrm>
+            <a:off x="311700" y="445025"/>
+            <a:ext cx="8520600" cy="572700"/>
+          </a:xfrm>
+          <a:prstGeom prst="rect">
+            <a:avLst/>
+          </a:prstGeom>
+        </p:spPr>
         <p:txBody>
-          <a:bodyPr>
+          <a:bodyPr spcFirstLastPara="1" wrap="square" lIns="91425" tIns="91425" rIns="91425" bIns="91425" anchor="t" anchorCtr="0">
             <a:normAutofit fontScale="90000"/>
           </a:bodyPr>
           <a:lstStyle/>
           <a:p>
+            <a:pPr marL="0" lvl="0" indent="0" algn="l" rtl="0">
+              <a:spcBef>
+                <a:spcPts val="0"/>
+              </a:spcBef>
+              <a:spcAft>
+                <a:spcPts val="0"/>
+              </a:spcAft>
+              <a:buNone/>
+            </a:pPr>
             <a:r>
-              <a:rPr lang="en-US" dirty="0"/>
-              <a:t>Getting started (Docker)</a:t>
+              <a:rPr lang="en" dirty="0">
+                <a:solidFill>
+                  <a:schemeClr val="bg1"/>
+                </a:solidFill>
+              </a:rPr>
+              <a:t>Thanks</a:t>
             </a:r>
+            <a:endParaRPr dirty="0">
+              <a:solidFill>
+                <a:schemeClr val="bg1"/>
+              </a:solidFill>
+            </a:endParaRPr>
           </a:p>
         </p:txBody>
       </p:sp>
       <p:sp>
         <p:nvSpPr>
-          <p:cNvPr id="3" name="Text Placeholder 2">
-            <a:extLst>
-              <a:ext uri="{FF2B5EF4-FFF2-40B4-BE49-F238E27FC236}">
-                <a16:creationId xmlns:a16="http://schemas.microsoft.com/office/drawing/2014/main" id="{1995875F-992C-4209-BE1B-87DE768044B0}"/>
-              </a:ext>
-            </a:extLst>
-          </p:cNvPr>
-          <p:cNvSpPr>
-            <a:spLocks noGrp="1"/>
-          </p:cNvSpPr>
-          <p:nvPr>
-            <p:ph type="body" idx="1"/>
-          </p:nvPr>
-        </p:nvSpPr>
-        <p:spPr/>
-        <p:txBody>
-          <a:bodyPr/>
-          <a:lstStyle/>
-          <a:p>
-            <a:r>
-              <a:rPr lang="en-US" dirty="0"/>
-              <a:t>Download the project from </a:t>
-            </a:r>
-            <a:r>
-              <a:rPr lang="en-US" dirty="0">
-                <a:hlinkClick r:id="rId2"/>
-              </a:rPr>
-              <a:t>https://github.com/kendarorg/HttpAnsweringMachine</a:t>
-            </a:r>
-            <a:r>
-              <a:rPr lang="en-US" dirty="0"/>
-              <a:t> </a:t>
-            </a:r>
-          </a:p>
-          <a:p>
-            <a:r>
-              <a:rPr lang="en-US" dirty="0"/>
-              <a:t>Run Make.bat/Make.sh (answer yes to all)</a:t>
-            </a:r>
-          </a:p>
-          <a:p>
-            <a:r>
-              <a:rPr lang="en-US" dirty="0"/>
-              <a:t>Install OpenVPN and set the connection</a:t>
-            </a:r>
-          </a:p>
-          <a:p>
-            <a:r>
-              <a:rPr lang="en-US" dirty="0"/>
-              <a:t>Run Run.bat/Run.sh (answer “yes” to docker)</a:t>
-            </a:r>
-          </a:p>
-          <a:p>
-            <a:r>
-              <a:rPr lang="en-US" dirty="0"/>
-              <a:t>Connect to the OpenVPN</a:t>
-            </a:r>
-          </a:p>
-          <a:p>
-            <a:r>
-              <a:rPr lang="en-US" dirty="0"/>
-              <a:t>Browse the app on </a:t>
-            </a:r>
-            <a:r>
-              <a:rPr lang="en-US" dirty="0">
-                <a:hlinkClick r:id="rId3"/>
-              </a:rPr>
-              <a:t>http://www.local.test</a:t>
-            </a:r>
-            <a:endParaRPr lang="en-US" dirty="0"/>
-          </a:p>
-          <a:p>
-            <a:r>
-              <a:rPr lang="en-US" dirty="0"/>
-              <a:t>Browse the sample on </a:t>
-            </a:r>
-            <a:r>
-              <a:rPr lang="en-US" dirty="0">
-                <a:hlinkClick r:id="rId4"/>
-              </a:rPr>
-              <a:t>http://www.sample.test</a:t>
-            </a:r>
-            <a:endParaRPr lang="en-US" dirty="0"/>
-          </a:p>
-          <a:p>
-            <a:endParaRPr lang="en-US" dirty="0"/>
-          </a:p>
-        </p:txBody>
-      </p:sp>
-    </p:spTree>
-    <p:extLst>
-      <p:ext uri="{BB962C8B-B14F-4D97-AF65-F5344CB8AC3E}">
-        <p14:creationId xmlns:p14="http://schemas.microsoft.com/office/powerpoint/2010/main" val="1697738674"/>
-      </p:ext>
-    </p:extLst>
-  </p:cSld>
-  <p:clrMapOvr>
-    <a:masterClrMapping/>
-  </p:clrMapOvr>
-</p:sld>
-</file>
-
-<file path=ppt/slides/slide9.xml><?xml version="1.0" encoding="utf-8"?>
-<p:sld xmlns:a="http://schemas.openxmlformats.org/drawingml/2006/main" xmlns:r="http://schemas.openxmlformats.org/officeDocument/2006/relationships" xmlns:p="http://schemas.openxmlformats.org/presentationml/2006/main">
-  <p:cSld>
-    <p:spTree>
-      <p:nvGrpSpPr>
-        <p:cNvPr id="1" name=""/>
-        <p:cNvGrpSpPr/>
-        <p:nvPr/>
-      </p:nvGrpSpPr>
-      <p:grpSpPr>
-        <a:xfrm>
-          <a:off x="0" y="0"/>
-          <a:ext cx="0" cy="0"/>
-          <a:chOff x="0" y="0"/>
-          <a:chExt cx="0" cy="0"/>
-        </a:xfrm>
-      </p:grpSpPr>
-      <p:sp>
-        <p:nvSpPr>
-          <p:cNvPr id="2" name="Title 1">
-            <a:extLst>
-              <a:ext uri="{FF2B5EF4-FFF2-40B4-BE49-F238E27FC236}">
-                <a16:creationId xmlns:a16="http://schemas.microsoft.com/office/drawing/2014/main" id="{FF144CF6-BFA0-4F89-9E0D-4CE9A82FE075}"/>
-              </a:ext>
-            </a:extLst>
-          </p:cNvPr>
-          <p:cNvSpPr>
-            <a:spLocks noGrp="1"/>
-          </p:cNvSpPr>
-          <p:nvPr>
-            <p:ph type="title"/>
-          </p:nvPr>
-        </p:nvSpPr>
-        <p:spPr/>
-        <p:txBody>
-          <a:bodyPr>
-            <a:normAutofit fontScale="90000"/>
-          </a:bodyPr>
-          <a:lstStyle/>
-          <a:p>
-            <a:r>
-              <a:rPr lang="en-US" dirty="0"/>
-              <a:t>Mocking</a:t>
-            </a:r>
-          </a:p>
-        </p:txBody>
-      </p:sp>
-      <p:sp>
-        <p:nvSpPr>
-          <p:cNvPr id="3" name="Text Placeholder 2">
-            <a:extLst>
-              <a:ext uri="{FF2B5EF4-FFF2-40B4-BE49-F238E27FC236}">
-                <a16:creationId xmlns:a16="http://schemas.microsoft.com/office/drawing/2014/main" id="{4B45FBFF-45D8-4BF8-95EB-2F36D3F69DF4}"/>
-              </a:ext>
-            </a:extLst>
-          </p:cNvPr>
-          <p:cNvSpPr>
+          <p:cNvPr id="146" name="Google Shape;146;p28"/>
+          <p:cNvSpPr txBox="1">
             <a:spLocks noGrp="1"/>
           </p:cNvSpPr>
           <p:nvPr>
@@ -9470,506 +7496,122 @@
         <p:spPr>
           <a:xfrm>
             <a:off x="311700" y="1152475"/>
-            <a:ext cx="8520600" cy="1953034"/>
-          </a:xfrm>
-        </p:spPr>
-        <p:txBody>
-          <a:bodyPr>
-            <a:normAutofit lnSpcReduction="10000"/>
-          </a:bodyPr>
-          <a:lstStyle/>
-          <a:p>
-            <a:r>
-              <a:rPr lang="en-US" dirty="0"/>
-              <a:t>Enter the JS Filters plugin</a:t>
-            </a:r>
-          </a:p>
-          <a:p>
-            <a:r>
-              <a:rPr lang="en-US" dirty="0"/>
-              <a:t>Add a new script</a:t>
-            </a:r>
-          </a:p>
-          <a:p>
-            <a:pPr lvl="1"/>
-            <a:r>
-              <a:rPr lang="en-US" dirty="0"/>
-              <a:t>Method: GET</a:t>
-            </a:r>
-          </a:p>
-          <a:p>
-            <a:pPr lvl="1"/>
-            <a:r>
-              <a:rPr lang="en-US" dirty="0"/>
-              <a:t>Host Address: </a:t>
-            </a:r>
-            <a:r>
-              <a:rPr lang="en-US" dirty="0">
-                <a:hlinkClick r:id="rId2"/>
-              </a:rPr>
-              <a:t>www.local.test</a:t>
-            </a:r>
-            <a:endParaRPr lang="en-US" dirty="0"/>
-          </a:p>
-          <a:p>
-            <a:pPr lvl="1"/>
-            <a:r>
-              <a:rPr lang="en-US" dirty="0"/>
-              <a:t>Path Address: /test</a:t>
-            </a:r>
-          </a:p>
-          <a:p>
-            <a:pPr lvl="1"/>
-            <a:r>
-              <a:rPr lang="en-US" dirty="0"/>
-              <a:t>Phase: PRE_RENDER</a:t>
-            </a:r>
-          </a:p>
-          <a:p>
-            <a:pPr lvl="1"/>
-            <a:r>
-              <a:rPr lang="en-US" dirty="0"/>
-              <a:t>Blocking: true</a:t>
-            </a:r>
-          </a:p>
-          <a:p>
-            <a:endParaRPr lang="en-US" dirty="0"/>
-          </a:p>
-        </p:txBody>
-      </p:sp>
-      <p:sp>
-        <p:nvSpPr>
-          <p:cNvPr id="5" name="TextBox 4">
-            <a:extLst>
-              <a:ext uri="{FF2B5EF4-FFF2-40B4-BE49-F238E27FC236}">
-                <a16:creationId xmlns:a16="http://schemas.microsoft.com/office/drawing/2014/main" id="{7D40B076-B033-4F85-8727-2E9703BAAF58}"/>
-              </a:ext>
-            </a:extLst>
-          </p:cNvPr>
-          <p:cNvSpPr txBox="1"/>
-          <p:nvPr/>
-        </p:nvSpPr>
-        <p:spPr>
-          <a:xfrm>
-            <a:off x="422693" y="2934352"/>
-            <a:ext cx="6396527" cy="1169551"/>
+            <a:ext cx="6582586" cy="3416400"/>
           </a:xfrm>
           <a:prstGeom prst="rect">
             <a:avLst/>
           </a:prstGeom>
-          <a:noFill/>
-        </p:spPr>
-        <p:txBody>
-          <a:bodyPr wrap="square" rtlCol="0">
-            <a:spAutoFit/>
-          </a:bodyPr>
-          <a:lstStyle/>
-          <a:p>
-            <a:r>
-              <a:rPr lang="en-US" sz="1000" dirty="0"/>
-              <a:t>var today = new Date()+” is today”;</a:t>
-            </a:r>
-          </a:p>
-          <a:p>
-            <a:r>
-              <a:rPr lang="en-US" sz="1000" dirty="0" err="1"/>
-              <a:t>utils.handleEvent</a:t>
-            </a:r>
-            <a:r>
-              <a:rPr lang="en-US" sz="1000" dirty="0"/>
-              <a:t>('test','{}');</a:t>
-            </a:r>
-          </a:p>
-          <a:p>
-            <a:r>
-              <a:rPr lang="en-US" sz="1000" dirty="0" err="1"/>
-              <a:t>response.setResponseText</a:t>
-            </a:r>
-            <a:r>
-              <a:rPr lang="en-US" sz="1000" dirty="0"/>
-              <a:t>('{"</a:t>
-            </a:r>
-            <a:r>
-              <a:rPr lang="en-US" sz="1000" dirty="0" err="1"/>
-              <a:t>value":"This</a:t>
-            </a:r>
-            <a:r>
-              <a:rPr lang="en-US" sz="1000" dirty="0"/>
-              <a:t> is a calculated </a:t>
-            </a:r>
-            <a:r>
-              <a:rPr lang="en-US" sz="1000" dirty="0" err="1"/>
-              <a:t>javascript</a:t>
-            </a:r>
-            <a:r>
-              <a:rPr lang="en-US" sz="1000" dirty="0"/>
-              <a:t> </a:t>
-            </a:r>
-            <a:r>
-              <a:rPr lang="en-US" sz="1000" dirty="0" err="1"/>
-              <a:t>response","date</a:t>
-            </a:r>
-            <a:r>
-              <a:rPr lang="en-US" sz="1000" dirty="0"/>
-              <a:t>":"'+today+'"}');</a:t>
-            </a:r>
-          </a:p>
-          <a:p>
-            <a:r>
-              <a:rPr lang="en-US" sz="1000" dirty="0" err="1"/>
-              <a:t>response.addHeader</a:t>
-            </a:r>
-            <a:r>
-              <a:rPr lang="en-US" sz="1000" dirty="0"/>
-              <a:t>('Content-</a:t>
-            </a:r>
-            <a:r>
-              <a:rPr lang="en-US" sz="1000" dirty="0" err="1"/>
-              <a:t>Type','application</a:t>
-            </a:r>
-            <a:r>
-              <a:rPr lang="en-US" sz="1000" dirty="0"/>
-              <a:t>/json');</a:t>
-            </a:r>
-          </a:p>
-          <a:p>
-            <a:r>
-              <a:rPr lang="en-US" sz="1000" dirty="0" err="1"/>
-              <a:t>response.setStatusCode</a:t>
-            </a:r>
-            <a:r>
-              <a:rPr lang="en-US" sz="1000" dirty="0"/>
-              <a:t>(200);</a:t>
-            </a:r>
-          </a:p>
-          <a:p>
-            <a:r>
-              <a:rPr lang="en-US" sz="1000" dirty="0" err="1"/>
-              <a:t>request.addHeader</a:t>
-            </a:r>
-            <a:r>
-              <a:rPr lang="en-US" sz="1000" dirty="0"/>
-              <a:t>('</a:t>
-            </a:r>
-            <a:r>
-              <a:rPr lang="en-US" sz="1000" dirty="0" err="1"/>
-              <a:t>Host','test.com</a:t>
-            </a:r>
-            <a:r>
-              <a:rPr lang="en-US" sz="1000" dirty="0"/>
-              <a:t>');</a:t>
-            </a:r>
-          </a:p>
-          <a:p>
-            <a:r>
-              <a:rPr lang="en-US" sz="1000" dirty="0"/>
-              <a:t>return false;</a:t>
-            </a:r>
-          </a:p>
-        </p:txBody>
-      </p:sp>
-      <p:sp>
-        <p:nvSpPr>
-          <p:cNvPr id="6" name="Text Placeholder 2">
-            <a:extLst>
-              <a:ext uri="{FF2B5EF4-FFF2-40B4-BE49-F238E27FC236}">
-                <a16:creationId xmlns:a16="http://schemas.microsoft.com/office/drawing/2014/main" id="{A51C8C96-FB73-47E8-8D40-5B9FE3755D64}"/>
-              </a:ext>
-            </a:extLst>
-          </p:cNvPr>
-          <p:cNvSpPr txBox="1">
-            <a:spLocks/>
-          </p:cNvSpPr>
-          <p:nvPr/>
-        </p:nvSpPr>
-        <p:spPr>
-          <a:xfrm>
-            <a:off x="311700" y="4103903"/>
-            <a:ext cx="8520600" cy="669433"/>
-          </a:xfrm>
-          <a:prstGeom prst="rect">
-            <a:avLst/>
-          </a:prstGeom>
-          <a:noFill/>
-          <a:ln>
-            <a:noFill/>
-          </a:ln>
         </p:spPr>
         <p:txBody>
           <a:bodyPr spcFirstLastPara="1" wrap="square" lIns="91425" tIns="91425" rIns="91425" bIns="91425" anchor="t" anchorCtr="0">
             <a:normAutofit/>
           </a:bodyPr>
-          <a:lstStyle>
-            <a:defPPr marR="0" lvl="0" algn="l" rtl="0">
-              <a:lnSpc>
-                <a:spcPct val="100000"/>
-              </a:lnSpc>
-              <a:spcBef>
-                <a:spcPts val="0"/>
-              </a:spcBef>
-              <a:spcAft>
-                <a:spcPts val="0"/>
-              </a:spcAft>
-            </a:defPPr>
-            <a:lvl1pPr marL="457200" marR="0" lvl="0" indent="-342900" algn="l" rtl="0">
-              <a:lnSpc>
-                <a:spcPct val="115000"/>
-              </a:lnSpc>
-              <a:spcBef>
-                <a:spcPts val="0"/>
-              </a:spcBef>
-              <a:spcAft>
-                <a:spcPts val="0"/>
-              </a:spcAft>
-              <a:buClr>
-                <a:schemeClr val="dk2"/>
-              </a:buClr>
-              <a:buSzPts val="1800"/>
-              <a:buFont typeface="Arial"/>
-              <a:buChar char="●"/>
-              <a:defRPr sz="1800" b="0" i="0" u="none" strike="noStrike" cap="none">
+          <a:lstStyle/>
+          <a:p>
+            <a:pPr marL="0" lvl="0" indent="0" algn="l" rtl="0">
+              <a:spcBef>
+                <a:spcPts val="1200"/>
+              </a:spcBef>
+              <a:spcAft>
+                <a:spcPts val="0"/>
+              </a:spcAft>
+              <a:buNone/>
+            </a:pPr>
+            <a:r>
+              <a:rPr lang="en" dirty="0">
                 <a:solidFill>
-                  <a:schemeClr val="dk2"/>
+                  <a:schemeClr val="bg1"/>
                 </a:solidFill>
-                <a:latin typeface="Arial"/>
-                <a:ea typeface="Arial"/>
-                <a:cs typeface="Arial"/>
-                <a:sym typeface="Arial"/>
-              </a:defRPr>
-            </a:lvl1pPr>
-            <a:lvl2pPr marL="914400" marR="0" lvl="1" indent="-317500" algn="l" rtl="0">
-              <a:lnSpc>
-                <a:spcPct val="115000"/>
-              </a:lnSpc>
-              <a:spcBef>
-                <a:spcPts val="0"/>
-              </a:spcBef>
-              <a:spcAft>
-                <a:spcPts val="0"/>
-              </a:spcAft>
-              <a:buClr>
-                <a:schemeClr val="dk2"/>
-              </a:buClr>
-              <a:buSzPts val="1400"/>
-              <a:buFont typeface="Arial"/>
-              <a:buChar char="○"/>
-              <a:defRPr sz="1400" b="0" i="0" u="none" strike="noStrike" cap="none">
+              </a:rPr>
+              <a:t>HAM: </a:t>
+            </a:r>
+            <a:r>
+              <a:rPr lang="en" u="sng" dirty="0">
                 <a:solidFill>
-                  <a:schemeClr val="dk2"/>
+                  <a:schemeClr val="bg1"/>
                 </a:solidFill>
-                <a:latin typeface="Arial"/>
-                <a:ea typeface="Arial"/>
-                <a:cs typeface="Arial"/>
-                <a:sym typeface="Arial"/>
-              </a:defRPr>
-            </a:lvl2pPr>
-            <a:lvl3pPr marL="1371600" marR="0" lvl="2" indent="-317500" algn="l" rtl="0">
-              <a:lnSpc>
-                <a:spcPct val="115000"/>
-              </a:lnSpc>
-              <a:spcBef>
-                <a:spcPts val="0"/>
-              </a:spcBef>
-              <a:spcAft>
-                <a:spcPts val="0"/>
-              </a:spcAft>
-              <a:buClr>
-                <a:schemeClr val="dk2"/>
-              </a:buClr>
-              <a:buSzPts val="1400"/>
-              <a:buFont typeface="Arial"/>
-              <a:buChar char="■"/>
-              <a:defRPr sz="1400" b="0" i="0" u="none" strike="noStrike" cap="none">
+                <a:hlinkClick r:id="rId4">
+                  <a:extLst>
+                    <a:ext uri="{A12FA001-AC4F-418D-AE19-62706E023703}">
+                      <ahyp:hlinkClr xmlns:ahyp="http://schemas.microsoft.com/office/drawing/2018/hyperlinkcolor" val="tx"/>
+                    </a:ext>
+                  </a:extLst>
+                </a:hlinkClick>
+              </a:rPr>
+              <a:t>https://github.com/kendarorg/HttpAnsweringMachine</a:t>
+            </a:r>
+            <a:endParaRPr lang="en" u="sng" dirty="0">
+              <a:solidFill>
+                <a:schemeClr val="bg1"/>
+              </a:solidFill>
+            </a:endParaRPr>
+          </a:p>
+          <a:p>
+            <a:pPr marL="0" lvl="0" indent="0" algn="l" rtl="0">
+              <a:spcBef>
+                <a:spcPts val="1200"/>
+              </a:spcBef>
+              <a:spcAft>
+                <a:spcPts val="0"/>
+              </a:spcAft>
+              <a:buNone/>
+            </a:pPr>
+            <a:r>
+              <a:rPr lang="en" dirty="0">
                 <a:solidFill>
-                  <a:schemeClr val="dk2"/>
+                  <a:schemeClr val="bg1"/>
                 </a:solidFill>
-                <a:latin typeface="Arial"/>
-                <a:ea typeface="Arial"/>
-                <a:cs typeface="Arial"/>
-                <a:sym typeface="Arial"/>
-              </a:defRPr>
-            </a:lvl3pPr>
-            <a:lvl4pPr marL="1828800" marR="0" lvl="3" indent="-317500" algn="l" rtl="0">
-              <a:lnSpc>
-                <a:spcPct val="115000"/>
-              </a:lnSpc>
-              <a:spcBef>
-                <a:spcPts val="0"/>
-              </a:spcBef>
-              <a:spcAft>
-                <a:spcPts val="0"/>
-              </a:spcAft>
-              <a:buClr>
-                <a:schemeClr val="dk2"/>
-              </a:buClr>
-              <a:buSzPts val="1400"/>
-              <a:buFont typeface="Arial"/>
-              <a:buChar char="●"/>
-              <a:defRPr sz="1400" b="0" i="0" u="none" strike="noStrike" cap="none">
-                <a:solidFill>
-                  <a:schemeClr val="dk2"/>
-                </a:solidFill>
-                <a:latin typeface="Arial"/>
-                <a:ea typeface="Arial"/>
-                <a:cs typeface="Arial"/>
-                <a:sym typeface="Arial"/>
-              </a:defRPr>
-            </a:lvl4pPr>
-            <a:lvl5pPr marL="2286000" marR="0" lvl="4" indent="-317500" algn="l" rtl="0">
-              <a:lnSpc>
-                <a:spcPct val="115000"/>
-              </a:lnSpc>
-              <a:spcBef>
-                <a:spcPts val="0"/>
-              </a:spcBef>
-              <a:spcAft>
-                <a:spcPts val="0"/>
-              </a:spcAft>
-              <a:buClr>
-                <a:schemeClr val="dk2"/>
-              </a:buClr>
-              <a:buSzPts val="1400"/>
-              <a:buFont typeface="Arial"/>
-              <a:buChar char="○"/>
-              <a:defRPr sz="1400" b="0" i="0" u="none" strike="noStrike" cap="none">
-                <a:solidFill>
-                  <a:schemeClr val="dk2"/>
-                </a:solidFill>
-                <a:latin typeface="Arial"/>
-                <a:ea typeface="Arial"/>
-                <a:cs typeface="Arial"/>
-                <a:sym typeface="Arial"/>
-              </a:defRPr>
-            </a:lvl5pPr>
-            <a:lvl6pPr marL="2743200" marR="0" lvl="5" indent="-317500" algn="l" rtl="0">
-              <a:lnSpc>
-                <a:spcPct val="115000"/>
-              </a:lnSpc>
-              <a:spcBef>
-                <a:spcPts val="0"/>
-              </a:spcBef>
-              <a:spcAft>
-                <a:spcPts val="0"/>
-              </a:spcAft>
-              <a:buClr>
-                <a:schemeClr val="dk2"/>
-              </a:buClr>
-              <a:buSzPts val="1400"/>
-              <a:buFont typeface="Arial"/>
-              <a:buChar char="■"/>
-              <a:defRPr sz="1400" b="0" i="0" u="none" strike="noStrike" cap="none">
-                <a:solidFill>
-                  <a:schemeClr val="dk2"/>
-                </a:solidFill>
-                <a:latin typeface="Arial"/>
-                <a:ea typeface="Arial"/>
-                <a:cs typeface="Arial"/>
-                <a:sym typeface="Arial"/>
-              </a:defRPr>
-            </a:lvl6pPr>
-            <a:lvl7pPr marL="3200400" marR="0" lvl="6" indent="-317500" algn="l" rtl="0">
-              <a:lnSpc>
-                <a:spcPct val="115000"/>
-              </a:lnSpc>
-              <a:spcBef>
-                <a:spcPts val="0"/>
-              </a:spcBef>
-              <a:spcAft>
-                <a:spcPts val="0"/>
-              </a:spcAft>
-              <a:buClr>
-                <a:schemeClr val="dk2"/>
-              </a:buClr>
-              <a:buSzPts val="1400"/>
-              <a:buFont typeface="Arial"/>
-              <a:buChar char="●"/>
-              <a:defRPr sz="1400" b="0" i="0" u="none" strike="noStrike" cap="none">
-                <a:solidFill>
-                  <a:schemeClr val="dk2"/>
-                </a:solidFill>
-                <a:latin typeface="Arial"/>
-                <a:ea typeface="Arial"/>
-                <a:cs typeface="Arial"/>
-                <a:sym typeface="Arial"/>
-              </a:defRPr>
-            </a:lvl7pPr>
-            <a:lvl8pPr marL="3657600" marR="0" lvl="7" indent="-317500" algn="l" rtl="0">
-              <a:lnSpc>
-                <a:spcPct val="115000"/>
-              </a:lnSpc>
-              <a:spcBef>
-                <a:spcPts val="0"/>
-              </a:spcBef>
-              <a:spcAft>
-                <a:spcPts val="0"/>
-              </a:spcAft>
-              <a:buClr>
-                <a:schemeClr val="dk2"/>
-              </a:buClr>
-              <a:buSzPts val="1400"/>
-              <a:buFont typeface="Arial"/>
-              <a:buChar char="○"/>
-              <a:defRPr sz="1400" b="0" i="0" u="none" strike="noStrike" cap="none">
-                <a:solidFill>
-                  <a:schemeClr val="dk2"/>
-                </a:solidFill>
-                <a:latin typeface="Arial"/>
-                <a:ea typeface="Arial"/>
-                <a:cs typeface="Arial"/>
-                <a:sym typeface="Arial"/>
-              </a:defRPr>
-            </a:lvl8pPr>
-            <a:lvl9pPr marL="4114800" marR="0" lvl="8" indent="-317500" algn="l" rtl="0">
-              <a:lnSpc>
-                <a:spcPct val="115000"/>
-              </a:lnSpc>
-              <a:spcBef>
-                <a:spcPts val="0"/>
-              </a:spcBef>
-              <a:spcAft>
-                <a:spcPts val="0"/>
-              </a:spcAft>
-              <a:buClr>
-                <a:schemeClr val="dk2"/>
-              </a:buClr>
-              <a:buSzPts val="1400"/>
-              <a:buFont typeface="Arial"/>
-              <a:buChar char="■"/>
-              <a:defRPr sz="1400" b="0" i="0" u="none" strike="noStrike" cap="none">
-                <a:solidFill>
-                  <a:schemeClr val="dk2"/>
-                </a:solidFill>
-                <a:latin typeface="Arial"/>
-                <a:ea typeface="Arial"/>
-                <a:cs typeface="Arial"/>
-                <a:sym typeface="Arial"/>
-              </a:defRPr>
-            </a:lvl9pPr>
-          </a:lstStyle>
-          <a:p>
-            <a:r>
-              <a:rPr lang="en-US" dirty="0"/>
-              <a:t>And you’ll have a fancy response going on </a:t>
+              </a:rPr>
+              <a:t>Linkedin: </a:t>
             </a:r>
             <a:r>
               <a:rPr lang="en-US" dirty="0">
-                <a:hlinkClick r:id="rId3"/>
+                <a:solidFill>
+                  <a:schemeClr val="bg1"/>
+                </a:solidFill>
+                <a:hlinkClick r:id="rId5">
+                  <a:extLst>
+                    <a:ext uri="{A12FA001-AC4F-418D-AE19-62706E023703}">
+                      <ahyp:hlinkClr xmlns:ahyp="http://schemas.microsoft.com/office/drawing/2018/hyperlinkcolor" val="tx"/>
+                    </a:ext>
+                  </a:extLst>
+                </a:hlinkClick>
               </a:rPr>
-              <a:t>http://www.local.test/test</a:t>
+              <a:t>https://www.linkedin.com/in/enricodaros/</a:t>
             </a:r>
-            <a:endParaRPr lang="en-US" dirty="0"/>
-          </a:p>
-          <a:p>
-            <a:endParaRPr lang="en-US" dirty="0"/>
+            <a:endParaRPr lang="en-US" dirty="0">
+              <a:solidFill>
+                <a:schemeClr val="bg1"/>
+              </a:solidFill>
+            </a:endParaRPr>
+          </a:p>
+          <a:p>
+            <a:pPr marL="0" lvl="0" indent="0" algn="l" rtl="0">
+              <a:spcBef>
+                <a:spcPts val="1200"/>
+              </a:spcBef>
+              <a:spcAft>
+                <a:spcPts val="0"/>
+              </a:spcAft>
+              <a:buNone/>
+            </a:pPr>
+            <a:r>
+              <a:rPr lang="en-US" dirty="0">
+                <a:solidFill>
+                  <a:schemeClr val="bg1"/>
+                </a:solidFill>
+              </a:rPr>
+              <a:t>E-mail: enrico.daros@lastminute.com</a:t>
+            </a:r>
+            <a:endParaRPr dirty="0">
+              <a:solidFill>
+                <a:schemeClr val="bg1"/>
+              </a:solidFill>
+            </a:endParaRPr>
           </a:p>
         </p:txBody>
       </p:sp>
     </p:spTree>
-    <p:extLst>
-      <p:ext uri="{BB962C8B-B14F-4D97-AF65-F5344CB8AC3E}">
-        <p14:creationId xmlns:p14="http://schemas.microsoft.com/office/powerpoint/2010/main" val="261105692"/>
-      </p:ext>
-    </p:extLst>
   </p:cSld>
   <p:clrMapOvr>
     <a:masterClrMapping/>

--- a/docs/HAM.EP.pptx
+++ b/docs/HAM.EP.pptx
@@ -799,7 +799,11 @@
               </a:spcAft>
               <a:buNone/>
             </a:pPr>
-            <a:endParaRPr/>
+            <a:r>
+              <a:rPr lang="en-US" dirty="0"/>
+              <a:t>Prerequisites: Java 11 &amp; Maven</a:t>
+            </a:r>
+            <a:endParaRPr dirty="0"/>
           </a:p>
         </p:txBody>
       </p:sp>
